--- a/Other_Documents/caTissue intro.pptx
+++ b/Other_Documents/caTissue intro.pptx
@@ -5,7 +5,7 @@
     <p:sldMasterId id="2147483792" r:id="rId1"/>
   </p:sldMasterIdLst>
   <p:notesMasterIdLst>
-    <p:notesMasterId r:id="rId37"/>
+    <p:notesMasterId r:id="rId36"/>
   </p:notesMasterIdLst>
   <p:sldIdLst>
     <p:sldId id="256" r:id="rId2"/>
@@ -15,34 +15,33 @@
     <p:sldId id="260" r:id="rId6"/>
     <p:sldId id="268" r:id="rId7"/>
     <p:sldId id="290" r:id="rId8"/>
-    <p:sldId id="289" r:id="rId9"/>
-    <p:sldId id="261" r:id="rId10"/>
-    <p:sldId id="265" r:id="rId11"/>
-    <p:sldId id="262" r:id="rId12"/>
-    <p:sldId id="287" r:id="rId13"/>
-    <p:sldId id="288" r:id="rId14"/>
-    <p:sldId id="279" r:id="rId15"/>
-    <p:sldId id="280" r:id="rId16"/>
-    <p:sldId id="263" r:id="rId17"/>
-    <p:sldId id="272" r:id="rId18"/>
-    <p:sldId id="266" r:id="rId19"/>
-    <p:sldId id="267" r:id="rId20"/>
-    <p:sldId id="264" r:id="rId21"/>
-    <p:sldId id="269" r:id="rId22"/>
-    <p:sldId id="270" r:id="rId23"/>
-    <p:sldId id="271" r:id="rId24"/>
-    <p:sldId id="273" r:id="rId25"/>
-    <p:sldId id="275" r:id="rId26"/>
-    <p:sldId id="276" r:id="rId27"/>
-    <p:sldId id="277" r:id="rId28"/>
-    <p:sldId id="278" r:id="rId29"/>
-    <p:sldId id="274" r:id="rId30"/>
-    <p:sldId id="281" r:id="rId31"/>
-    <p:sldId id="282" r:id="rId32"/>
-    <p:sldId id="283" r:id="rId33"/>
-    <p:sldId id="284" r:id="rId34"/>
-    <p:sldId id="285" r:id="rId35"/>
-    <p:sldId id="286" r:id="rId36"/>
+    <p:sldId id="261" r:id="rId9"/>
+    <p:sldId id="265" r:id="rId10"/>
+    <p:sldId id="262" r:id="rId11"/>
+    <p:sldId id="287" r:id="rId12"/>
+    <p:sldId id="288" r:id="rId13"/>
+    <p:sldId id="279" r:id="rId14"/>
+    <p:sldId id="280" r:id="rId15"/>
+    <p:sldId id="263" r:id="rId16"/>
+    <p:sldId id="272" r:id="rId17"/>
+    <p:sldId id="266" r:id="rId18"/>
+    <p:sldId id="267" r:id="rId19"/>
+    <p:sldId id="264" r:id="rId20"/>
+    <p:sldId id="269" r:id="rId21"/>
+    <p:sldId id="270" r:id="rId22"/>
+    <p:sldId id="271" r:id="rId23"/>
+    <p:sldId id="273" r:id="rId24"/>
+    <p:sldId id="275" r:id="rId25"/>
+    <p:sldId id="276" r:id="rId26"/>
+    <p:sldId id="277" r:id="rId27"/>
+    <p:sldId id="278" r:id="rId28"/>
+    <p:sldId id="274" r:id="rId29"/>
+    <p:sldId id="281" r:id="rId30"/>
+    <p:sldId id="282" r:id="rId31"/>
+    <p:sldId id="283" r:id="rId32"/>
+    <p:sldId id="284" r:id="rId33"/>
+    <p:sldId id="285" r:id="rId34"/>
+    <p:sldId id="286" r:id="rId35"/>
   </p:sldIdLst>
   <p:sldSz cx="9144000" cy="6858000" type="screen4x3"/>
   <p:notesSz cx="6858000" cy="9144000"/>
@@ -227,7 +226,7 @@
             <a:fld id="{50D46EEC-5857-408D-9783-B04D22E60E92}" type="datetimeFigureOut">
               <a:rPr lang="en-US" smtClean="0"/>
               <a:pPr/>
-              <a:t>4/13/2009</a:t>
+              <a:t>1/27/2010</a:t>
             </a:fld>
             <a:endParaRPr lang="en-US"/>
           </a:p>
@@ -587,7 +586,7 @@
             <a:fld id="{B172A216-4A66-455E-B1D5-8FF98BE117A1}" type="slidenum">
               <a:rPr lang="en-US"/>
               <a:pPr/>
-              <a:t>13</a:t>
+              <a:t>12</a:t>
             </a:fld>
             <a:endParaRPr lang="en-US"/>
           </a:p>
@@ -694,7 +693,7 @@
             <a:fld id="{4AD5A63F-5D94-4269-B762-60F93FBE0881}" type="slidenum">
               <a:rPr lang="en-US"/>
               <a:pPr/>
-              <a:t>33</a:t>
+              <a:t>32</a:t>
             </a:fld>
             <a:endParaRPr lang="en-US"/>
           </a:p>
@@ -801,7 +800,7 @@
             <a:fld id="{7D57099B-8E7F-494B-8302-00F0AE1F240F}" type="slidenum">
               <a:rPr lang="en-US"/>
               <a:pPr/>
-              <a:t>34</a:t>
+              <a:t>33</a:t>
             </a:fld>
             <a:endParaRPr lang="en-US"/>
           </a:p>
@@ -893,7 +892,7 @@
             <a:fld id="{3120D196-9F0E-4F64-9C48-B03D3D344329}" type="slidenum">
               <a:rPr lang="en-US"/>
               <a:pPr/>
-              <a:t>18</a:t>
+              <a:t>17</a:t>
             </a:fld>
             <a:endParaRPr lang="en-US"/>
           </a:p>
@@ -985,7 +984,7 @@
             <a:fld id="{0E21FA96-5019-4C62-91B1-53FB96CFC3F8}" type="slidenum">
               <a:rPr lang="en-US"/>
               <a:pPr/>
-              <a:t>19</a:t>
+              <a:t>18</a:t>
             </a:fld>
             <a:endParaRPr lang="en-US"/>
           </a:p>
@@ -1091,7 +1090,7 @@
                 <a:latin typeface="Arial" charset="0"/>
               </a:rPr>
               <a:pPr algn="r"/>
-              <a:t>25</a:t>
+              <a:t>24</a:t>
             </a:fld>
             <a:endParaRPr lang="en-US" sz="1200">
               <a:latin typeface="Arial" charset="0"/>
@@ -1210,7 +1209,7 @@
                 <a:latin typeface="Calibri" pitchFamily="34" charset="0"/>
               </a:rPr>
               <a:pPr algn="r"/>
-              <a:t>26</a:t>
+              <a:t>25</a:t>
             </a:fld>
             <a:endParaRPr lang="en-US" sz="1200">
               <a:latin typeface="Calibri" pitchFamily="34" charset="0"/>
@@ -1329,7 +1328,7 @@
                 <a:latin typeface="Calibri" pitchFamily="34" charset="0"/>
               </a:rPr>
               <a:pPr algn="r"/>
-              <a:t>27</a:t>
+              <a:t>26</a:t>
             </a:fld>
             <a:endParaRPr lang="en-US" sz="1200">
               <a:latin typeface="Calibri" pitchFamily="34" charset="0"/>
@@ -1448,7 +1447,7 @@
                 <a:latin typeface="Calibri" pitchFamily="34" charset="0"/>
               </a:rPr>
               <a:pPr algn="r"/>
-              <a:t>28</a:t>
+              <a:t>27</a:t>
             </a:fld>
             <a:endParaRPr lang="en-US" sz="1200">
               <a:latin typeface="Calibri" pitchFamily="34" charset="0"/>
@@ -1557,7 +1556,7 @@
             <a:fld id="{3667DC1D-0375-4ED1-AFE4-56371E887B25}" type="slidenum">
               <a:rPr lang="en-US"/>
               <a:pPr/>
-              <a:t>31</a:t>
+              <a:t>30</a:t>
             </a:fld>
             <a:endParaRPr lang="en-US"/>
           </a:p>
@@ -1664,7 +1663,7 @@
             <a:fld id="{6BFCB2DB-F0CD-432C-B0C8-D1876C5DA96A}" type="slidenum">
               <a:rPr lang="en-US"/>
               <a:pPr/>
-              <a:t>32</a:t>
+              <a:t>31</a:t>
             </a:fld>
             <a:endParaRPr lang="en-US"/>
           </a:p>
@@ -2304,7 +2303,7 @@
             <a:fld id="{1D8BD707-D9CF-40AE-B4C6-C98DA3205C09}" type="datetimeFigureOut">
               <a:rPr lang="en-US" smtClean="0"/>
               <a:pPr/>
-              <a:t>4/13/2009</a:t>
+              <a:t>1/27/2010</a:t>
             </a:fld>
             <a:endParaRPr lang="en-US"/>
           </a:p>
@@ -2502,7 +2501,7 @@
             <a:fld id="{1D8BD707-D9CF-40AE-B4C6-C98DA3205C09}" type="datetimeFigureOut">
               <a:rPr lang="en-US" smtClean="0"/>
               <a:pPr/>
-              <a:t>4/13/2009</a:t>
+              <a:t>1/27/2010</a:t>
             </a:fld>
             <a:endParaRPr lang="en-US"/>
           </a:p>
@@ -2689,7 +2688,7 @@
             <a:fld id="{1D8BD707-D9CF-40AE-B4C6-C98DA3205C09}" type="datetimeFigureOut">
               <a:rPr lang="en-US" smtClean="0"/>
               <a:pPr/>
-              <a:t>4/13/2009</a:t>
+              <a:t>1/27/2010</a:t>
             </a:fld>
             <a:endParaRPr lang="en-US"/>
           </a:p>
@@ -2841,7 +2840,7 @@
             <a:fld id="{1D8BD707-D9CF-40AE-B4C6-C98DA3205C09}" type="datetimeFigureOut">
               <a:rPr lang="en-US" smtClean="0"/>
               <a:pPr/>
-              <a:t>4/13/2009</a:t>
+              <a:t>1/27/2010</a:t>
             </a:fld>
             <a:endParaRPr lang="en-US"/>
           </a:p>
@@ -3098,7 +3097,7 @@
             <a:fld id="{1D8BD707-D9CF-40AE-B4C6-C98DA3205C09}" type="datetimeFigureOut">
               <a:rPr lang="en-US" smtClean="0"/>
               <a:pPr/>
-              <a:t>4/13/2009</a:t>
+              <a:t>1/27/2010</a:t>
             </a:fld>
             <a:endParaRPr lang="en-US"/>
           </a:p>
@@ -3509,7 +3508,7 @@
             <a:fld id="{1D8BD707-D9CF-40AE-B4C6-C98DA3205C09}" type="datetimeFigureOut">
               <a:rPr lang="en-US" smtClean="0"/>
               <a:pPr/>
-              <a:t>4/13/2009</a:t>
+              <a:t>1/27/2010</a:t>
             </a:fld>
             <a:endParaRPr lang="en-US"/>
           </a:p>
@@ -3957,7 +3956,7 @@
             <a:fld id="{1D8BD707-D9CF-40AE-B4C6-C98DA3205C09}" type="datetimeFigureOut">
               <a:rPr lang="en-US" smtClean="0"/>
               <a:pPr/>
-              <a:t>4/13/2009</a:t>
+              <a:t>1/27/2010</a:t>
             </a:fld>
             <a:endParaRPr lang="en-US"/>
           </a:p>
@@ -4060,7 +4059,7 @@
             <a:fld id="{1D8BD707-D9CF-40AE-B4C6-C98DA3205C09}" type="datetimeFigureOut">
               <a:rPr lang="en-US" smtClean="0"/>
               <a:pPr/>
-              <a:t>4/13/2009</a:t>
+              <a:t>1/27/2010</a:t>
             </a:fld>
             <a:endParaRPr lang="en-US"/>
           </a:p>
@@ -4183,7 +4182,7 @@
             <a:fld id="{1D8BD707-D9CF-40AE-B4C6-C98DA3205C09}" type="datetimeFigureOut">
               <a:rPr lang="en-US" smtClean="0"/>
               <a:pPr/>
-              <a:t>4/13/2009</a:t>
+              <a:t>1/27/2010</a:t>
             </a:fld>
             <a:endParaRPr lang="en-US"/>
           </a:p>
@@ -4459,7 +4458,7 @@
             <a:fld id="{1D8BD707-D9CF-40AE-B4C6-C98DA3205C09}" type="datetimeFigureOut">
               <a:rPr lang="en-US" smtClean="0"/>
               <a:pPr/>
-              <a:t>4/13/2009</a:t>
+              <a:t>1/27/2010</a:t>
             </a:fld>
             <a:endParaRPr lang="en-US"/>
           </a:p>
@@ -4666,7 +4665,7 @@
             <a:fld id="{1D8BD707-D9CF-40AE-B4C6-C98DA3205C09}" type="datetimeFigureOut">
               <a:rPr lang="en-US" smtClean="0"/>
               <a:pPr/>
-              <a:t>4/13/2009</a:t>
+              <a:t>1/27/2010</a:t>
             </a:fld>
             <a:endParaRPr lang="en-US"/>
           </a:p>
@@ -5777,7 +5776,7 @@
             <a:fld id="{1D8BD707-D9CF-40AE-B4C6-C98DA3205C09}" type="datetimeFigureOut">
               <a:rPr lang="en-US" smtClean="0"/>
               <a:pPr/>
-              <a:t>4/13/2009</a:t>
+              <a:t>1/27/2010</a:t>
             </a:fld>
             <a:endParaRPr lang="en-US"/>
           </a:p>
@@ -6357,61 +6356,60 @@
           <a:p>
             <a:r>
               <a:rPr lang="en-US" dirty="0" smtClean="0"/>
-              <a:t>Following versions of caTissue so far has been released </a:t>
-            </a:r>
-          </a:p>
-          <a:p>
-            <a:pPr lvl="1"/>
+              <a:t>caTissue is a open source web based application</a:t>
+            </a:r>
+          </a:p>
+          <a:p>
             <a:r>
               <a:rPr lang="en-US" dirty="0" smtClean="0"/>
-              <a:t>caTissue Core 1.0</a:t>
-            </a:r>
-          </a:p>
-          <a:p>
-            <a:pPr lvl="1"/>
+              <a:t>Adherence to </a:t>
+            </a:r>
+            <a:r>
+              <a:rPr lang="en-US" dirty="0" err="1" smtClean="0"/>
+              <a:t>caBIG</a:t>
+            </a:r>
+            <a:r>
+              <a:rPr lang="en-US" baseline="30000" dirty="0" err="1" smtClean="0"/>
+              <a:t>TM</a:t>
+            </a:r>
+            <a:r>
+              <a:rPr lang="en-US" baseline="30000" dirty="0" smtClean="0"/>
+              <a:t> </a:t>
+            </a:r>
             <a:r>
               <a:rPr lang="en-US" dirty="0" smtClean="0"/>
-              <a:t>caTissue Core 1.1</a:t>
-            </a:r>
-          </a:p>
-          <a:p>
-            <a:pPr lvl="1"/>
+              <a:t>compatibility guidelines</a:t>
+            </a:r>
+          </a:p>
+          <a:p>
             <a:r>
               <a:rPr lang="en-US" dirty="0" smtClean="0"/>
-              <a:t>caTissue Core 1.2</a:t>
-            </a:r>
-          </a:p>
-          <a:p>
-            <a:pPr lvl="1"/>
+              <a:t>General </a:t>
+            </a:r>
+            <a:r>
+              <a:rPr lang="en-US" dirty="0" err="1" smtClean="0"/>
+              <a:t>biospecimen</a:t>
+            </a:r>
             <a:r>
               <a:rPr lang="en-US" dirty="0" smtClean="0"/>
-              <a:t>caTissue Core 1.2.0.1</a:t>
-            </a:r>
-          </a:p>
-          <a:p>
-            <a:pPr lvl="1"/>
+              <a:t> tracking functionality</a:t>
+            </a:r>
+            <a:r>
+              <a:rPr lang="en-US" baseline="30000" dirty="0" smtClean="0"/>
+              <a:t> </a:t>
+            </a:r>
+          </a:p>
+          <a:p>
             <a:r>
               <a:rPr lang="en-US" dirty="0" smtClean="0"/>
-              <a:t>caTissue Core 1.2.2</a:t>
-            </a:r>
-          </a:p>
-          <a:p>
-            <a:pPr lvl="1"/>
+              <a:t>Authentication and Authorization of data</a:t>
+            </a:r>
+          </a:p>
+          <a:p>
             <a:r>
               <a:rPr lang="en-US" dirty="0" smtClean="0"/>
-              <a:t>caTissue Suite 1.0</a:t>
-            </a:r>
-          </a:p>
-          <a:p>
-            <a:pPr lvl="1"/>
-            <a:r>
-              <a:rPr lang="en-US" dirty="0" smtClean="0"/>
-              <a:t>caTissue Suite 1.1</a:t>
-            </a:r>
-          </a:p>
-          <a:p>
-            <a:pPr lvl="1"/>
-            <a:endParaRPr lang="en-US" dirty="0"/>
+              <a:t>Extendibility to integrate with other systems</a:t>
+            </a:r>
           </a:p>
         </p:txBody>
       </p:sp>
@@ -6432,7 +6430,7 @@
           <a:p>
             <a:r>
               <a:rPr lang="en-US" dirty="0" smtClean="0"/>
-              <a:t>Release overview</a:t>
+              <a:t>General Requirements</a:t>
             </a:r>
             <a:endParaRPr lang="en-US" dirty="0"/>
           </a:p>
@@ -6454,128 +6452,6 @@
 </file>
 
 <file path=ppt/slides/slide11.xml><?xml version="1.0" encoding="utf-8"?>
-<p:sld xmlns:a="http://schemas.openxmlformats.org/drawingml/2006/main" xmlns:r="http://schemas.openxmlformats.org/officeDocument/2006/relationships" xmlns:p="http://schemas.openxmlformats.org/presentationml/2006/main">
-  <p:cSld>
-    <p:spTree>
-      <p:nvGrpSpPr>
-        <p:cNvPr id="1" name=""/>
-        <p:cNvGrpSpPr/>
-        <p:nvPr/>
-      </p:nvGrpSpPr>
-      <p:grpSpPr>
-        <a:xfrm>
-          <a:off x="0" y="0"/>
-          <a:ext cx="0" cy="0"/>
-          <a:chOff x="0" y="0"/>
-          <a:chExt cx="0" cy="0"/>
-        </a:xfrm>
-      </p:grpSpPr>
-      <p:sp>
-        <p:nvSpPr>
-          <p:cNvPr id="3" name="Content Placeholder 2"/>
-          <p:cNvSpPr>
-            <a:spLocks noGrp="1"/>
-          </p:cNvSpPr>
-          <p:nvPr>
-            <p:ph idx="1"/>
-          </p:nvPr>
-        </p:nvSpPr>
-        <p:spPr/>
-        <p:txBody>
-          <a:bodyPr/>
-          <a:lstStyle/>
-          <a:p>
-            <a:r>
-              <a:rPr lang="en-US" dirty="0" smtClean="0"/>
-              <a:t>caTissue is a open source web based application</a:t>
-            </a:r>
-          </a:p>
-          <a:p>
-            <a:r>
-              <a:rPr lang="en-US" dirty="0" smtClean="0"/>
-              <a:t>Adherence to </a:t>
-            </a:r>
-            <a:r>
-              <a:rPr lang="en-US" dirty="0" err="1" smtClean="0"/>
-              <a:t>caBIG</a:t>
-            </a:r>
-            <a:r>
-              <a:rPr lang="en-US" baseline="30000" dirty="0" err="1" smtClean="0"/>
-              <a:t>TM</a:t>
-            </a:r>
-            <a:r>
-              <a:rPr lang="en-US" baseline="30000" dirty="0" smtClean="0"/>
-              <a:t> </a:t>
-            </a:r>
-            <a:r>
-              <a:rPr lang="en-US" dirty="0" smtClean="0"/>
-              <a:t>compatibility guidelines</a:t>
-            </a:r>
-          </a:p>
-          <a:p>
-            <a:r>
-              <a:rPr lang="en-US" dirty="0" smtClean="0"/>
-              <a:t>General </a:t>
-            </a:r>
-            <a:r>
-              <a:rPr lang="en-US" dirty="0" err="1" smtClean="0"/>
-              <a:t>biospecimen</a:t>
-            </a:r>
-            <a:r>
-              <a:rPr lang="en-US" dirty="0" smtClean="0"/>
-              <a:t> tracking functionality</a:t>
-            </a:r>
-            <a:r>
-              <a:rPr lang="en-US" baseline="30000" dirty="0" smtClean="0"/>
-              <a:t> </a:t>
-            </a:r>
-          </a:p>
-          <a:p>
-            <a:r>
-              <a:rPr lang="en-US" dirty="0" smtClean="0"/>
-              <a:t>Authentication and Authorization of data</a:t>
-            </a:r>
-          </a:p>
-          <a:p>
-            <a:r>
-              <a:rPr lang="en-US" dirty="0" smtClean="0"/>
-              <a:t>Extendibility to integrate with other systems</a:t>
-            </a:r>
-          </a:p>
-        </p:txBody>
-      </p:sp>
-      <p:sp>
-        <p:nvSpPr>
-          <p:cNvPr id="2" name="Title 1"/>
-          <p:cNvSpPr>
-            <a:spLocks noGrp="1"/>
-          </p:cNvSpPr>
-          <p:nvPr>
-            <p:ph type="title"/>
-          </p:nvPr>
-        </p:nvSpPr>
-        <p:spPr/>
-        <p:txBody>
-          <a:bodyPr/>
-          <a:lstStyle/>
-          <a:p>
-            <a:r>
-              <a:rPr lang="en-US" dirty="0" smtClean="0"/>
-              <a:t>General Requirements</a:t>
-            </a:r>
-            <a:endParaRPr lang="en-US" dirty="0"/>
-          </a:p>
-        </p:txBody>
-      </p:sp>
-    </p:spTree>
-  </p:cSld>
-  <p:clrMapOvr>
-    <a:masterClrMapping/>
-  </p:clrMapOvr>
-</p:sld>
-</file>
-
-<file path=ppt/slides/slide12.xml><?xml version="1.0" encoding="utf-8"?>
 <p:sld xmlns:a="http://schemas.openxmlformats.org/drawingml/2006/main" xmlns:r="http://schemas.openxmlformats.org/officeDocument/2006/relationships" xmlns:p="http://schemas.openxmlformats.org/presentationml/2006/main">
   <p:cSld>
     <p:spTree>
@@ -6980,10 +6856,17 @@
   <p:clrMapOvr>
     <a:masterClrMapping/>
   </p:clrMapOvr>
+  <p:timing>
+    <p:tnLst>
+      <p:par>
+        <p:cTn id="1" dur="indefinite" restart="never" nodeType="tmRoot"/>
+      </p:par>
+    </p:tnLst>
+  </p:timing>
 </p:sld>
 </file>
 
-<file path=ppt/slides/slide13.xml><?xml version="1.0" encoding="utf-8"?>
+<file path=ppt/slides/slide12.xml><?xml version="1.0" encoding="utf-8"?>
 <p:sld xmlns:a="http://schemas.openxmlformats.org/drawingml/2006/main" xmlns:r="http://schemas.openxmlformats.org/officeDocument/2006/relationships" xmlns:p="http://schemas.openxmlformats.org/presentationml/2006/main">
   <p:cSld>
     <p:spTree>
@@ -8842,6 +8725,134 @@
 </p:sld>
 </file>
 
+<file path=ppt/slides/slide13.xml><?xml version="1.0" encoding="utf-8"?>
+<p:sld xmlns:a="http://schemas.openxmlformats.org/drawingml/2006/main" xmlns:r="http://schemas.openxmlformats.org/officeDocument/2006/relationships" xmlns:p="http://schemas.openxmlformats.org/presentationml/2006/main">
+  <p:cSld>
+    <p:spTree>
+      <p:nvGrpSpPr>
+        <p:cNvPr id="1" name=""/>
+        <p:cNvGrpSpPr/>
+        <p:nvPr/>
+      </p:nvGrpSpPr>
+      <p:grpSpPr>
+        <a:xfrm>
+          <a:off x="0" y="0"/>
+          <a:ext cx="0" cy="0"/>
+          <a:chOff x="0" y="0"/>
+          <a:chExt cx="0" cy="0"/>
+        </a:xfrm>
+      </p:grpSpPr>
+      <p:sp>
+        <p:nvSpPr>
+          <p:cNvPr id="3" name="Content Placeholder 2"/>
+          <p:cNvSpPr>
+            <a:spLocks noGrp="1"/>
+          </p:cNvSpPr>
+          <p:nvPr>
+            <p:ph idx="1"/>
+          </p:nvPr>
+        </p:nvSpPr>
+        <p:spPr/>
+        <p:txBody>
+          <a:bodyPr>
+            <a:normAutofit/>
+          </a:bodyPr>
+          <a:lstStyle/>
+          <a:p>
+            <a:r>
+              <a:rPr lang="en-US" dirty="0" smtClean="0"/>
+              <a:t>The main goal of the </a:t>
+            </a:r>
+            <a:r>
+              <a:rPr lang="en-US" b="1" dirty="0" smtClean="0"/>
+              <a:t>T</a:t>
+            </a:r>
+            <a:r>
+              <a:rPr lang="en-US" dirty="0" smtClean="0"/>
+              <a:t>issue </a:t>
+            </a:r>
+            <a:r>
+              <a:rPr lang="en-US" b="1" dirty="0" smtClean="0"/>
+              <a:t>B</a:t>
+            </a:r>
+            <a:r>
+              <a:rPr lang="en-US" dirty="0" smtClean="0"/>
+              <a:t>anks and </a:t>
+            </a:r>
+            <a:r>
+              <a:rPr lang="en-US" b="1" dirty="0" smtClean="0"/>
+              <a:t>P</a:t>
+            </a:r>
+            <a:r>
+              <a:rPr lang="en-US" dirty="0" smtClean="0"/>
+              <a:t>athology </a:t>
+            </a:r>
+            <a:r>
+              <a:rPr lang="en-US" b="1" dirty="0" smtClean="0"/>
+              <a:t>T</a:t>
+            </a:r>
+            <a:r>
+              <a:rPr lang="en-US" dirty="0" smtClean="0"/>
+              <a:t>ools (TBPT) Workspace is to provide for the implementation and integration of tissue bank and pathology tools and infrastructure components that will facilitate information sharing</a:t>
+            </a:r>
+          </a:p>
+          <a:p>
+            <a:r>
+              <a:rPr lang="en-US" dirty="0" smtClean="0"/>
+              <a:t>caTissue must be caCORE and caGrid enabled and must be capable of query multiple instances of caTissue Suite instances</a:t>
+            </a:r>
+          </a:p>
+          <a:p>
+            <a:endParaRPr lang="en-US" dirty="0" smtClean="0"/>
+          </a:p>
+          <a:p>
+            <a:pPr lvl="1"/>
+            <a:endParaRPr lang="en-US" dirty="0"/>
+          </a:p>
+        </p:txBody>
+      </p:sp>
+      <p:sp>
+        <p:nvSpPr>
+          <p:cNvPr id="2" name="Title 1"/>
+          <p:cNvSpPr>
+            <a:spLocks noGrp="1"/>
+          </p:cNvSpPr>
+          <p:nvPr>
+            <p:ph type="title"/>
+          </p:nvPr>
+        </p:nvSpPr>
+        <p:spPr/>
+        <p:txBody>
+          <a:bodyPr/>
+          <a:lstStyle/>
+          <a:p>
+            <a:r>
+              <a:rPr lang="en-US" dirty="0" err="1" smtClean="0"/>
+              <a:t>caBIG</a:t>
+            </a:r>
+            <a:r>
+              <a:rPr lang="en-US" dirty="0" smtClean="0"/>
+              <a:t> requirements</a:t>
+            </a:r>
+            <a:endParaRPr lang="en-US" dirty="0"/>
+          </a:p>
+        </p:txBody>
+      </p:sp>
+    </p:spTree>
+  </p:cSld>
+  <p:clrMapOvr>
+    <a:masterClrMapping/>
+  </p:clrMapOvr>
+  <p:timing>
+    <p:tnLst>
+      <p:par>
+        <p:cTn id="1" dur="indefinite" restart="never" nodeType="tmRoot"/>
+      </p:par>
+    </p:tnLst>
+  </p:timing>
+</p:sld>
+</file>
+
 <file path=ppt/slides/slide14.xml><?xml version="1.0" encoding="utf-8"?>
 <p:sld xmlns:a="http://schemas.openxmlformats.org/drawingml/2006/main" xmlns:r="http://schemas.openxmlformats.org/officeDocument/2006/relationships" xmlns:p="http://schemas.openxmlformats.org/presentationml/2006/main">
   <p:cSld>
@@ -8872,55 +8883,32 @@
         <p:spPr/>
         <p:txBody>
           <a:bodyPr>
-            <a:normAutofit/>
+            <a:normAutofit fontScale="92500" lnSpcReduction="20000"/>
           </a:bodyPr>
           <a:lstStyle/>
           <a:p>
             <a:r>
               <a:rPr lang="en-US" dirty="0" smtClean="0"/>
-              <a:t>The main goal of the </a:t>
-            </a:r>
-            <a:r>
-              <a:rPr lang="en-US" b="1" dirty="0" smtClean="0"/>
-              <a:t>T</a:t>
-            </a:r>
+              <a:t>Adherence to HIPAA guidelines</a:t>
+            </a:r>
+          </a:p>
+          <a:p>
             <a:r>
               <a:rPr lang="en-US" dirty="0" smtClean="0"/>
-              <a:t>issue </a:t>
-            </a:r>
-            <a:r>
-              <a:rPr lang="en-US" b="1" dirty="0" smtClean="0"/>
-              <a:t>B</a:t>
-            </a:r>
+              <a:t>Integration with NCICB’s CSM module that provides a comprehensive solution to common security objectives.</a:t>
+            </a:r>
+          </a:p>
+          <a:p>
             <a:r>
               <a:rPr lang="en-US" dirty="0" smtClean="0"/>
-              <a:t>anks and </a:t>
-            </a:r>
-            <a:r>
-              <a:rPr lang="en-US" b="1" dirty="0" smtClean="0"/>
-              <a:t>P</a:t>
-            </a:r>
+              <a:t>caTissue application must use authentication APIs provided by CSM to validate and verify a user’s credentials and allow access to the application. </a:t>
+            </a:r>
+          </a:p>
+          <a:p>
             <a:r>
               <a:rPr lang="en-US" dirty="0" smtClean="0"/>
-              <a:t>athology </a:t>
-            </a:r>
-            <a:r>
-              <a:rPr lang="en-US" b="1" dirty="0" smtClean="0"/>
-              <a:t>T</a:t>
-            </a:r>
-            <a:r>
-              <a:rPr lang="en-US" dirty="0" smtClean="0"/>
-              <a:t>ools (TBPT) Workspace is to provide for the implementation and integration of tissue bank and pathology tools and infrastructure components that will facilitate information sharing</a:t>
-            </a:r>
-          </a:p>
-          <a:p>
-            <a:r>
-              <a:rPr lang="en-US" dirty="0" smtClean="0"/>
-              <a:t>caTissue must be caCORE and caGrid enabled and must be capable of query multiple instances of caTissue Suite instances</a:t>
-            </a:r>
-          </a:p>
-          <a:p>
-            <a:endParaRPr lang="en-US" dirty="0" smtClean="0"/>
+              <a:t>caTissue must use authorization APIs provided by CSM to grant access on data, methods, objects and allows user to perform only those operations or access data to which they have access privileges.</a:t>
+            </a:r>
           </a:p>
           <a:p>
             <a:pPr lvl="1"/>
@@ -8999,33 +8987,79 @@
         </p:nvSpPr>
         <p:spPr/>
         <p:txBody>
-          <a:bodyPr>
-            <a:normAutofit fontScale="92500" lnSpcReduction="20000"/>
-          </a:bodyPr>
+          <a:bodyPr/>
           <a:lstStyle/>
           <a:p>
             <a:r>
               <a:rPr lang="en-US" dirty="0" smtClean="0"/>
-              <a:t>Adherence to HIPAA guidelines</a:t>
-            </a:r>
-          </a:p>
-          <a:p>
+              <a:t>caTissue is an integrated system supports</a:t>
+            </a:r>
+          </a:p>
+          <a:p>
+            <a:pPr lvl="1"/>
             <a:r>
               <a:rPr lang="en-US" dirty="0" smtClean="0"/>
-              <a:t>Integration with NCICB’s CSM module that provides a comprehensive solution to common security objectives.</a:t>
-            </a:r>
-          </a:p>
-          <a:p>
+              <a:t>caTissue Core module</a:t>
+            </a:r>
+          </a:p>
+          <a:p>
+            <a:pPr lvl="1"/>
+            <a:r>
+              <a:rPr lang="en-US" dirty="0" err="1" smtClean="0"/>
+              <a:t>caTIES</a:t>
+            </a:r>
+            <a:endParaRPr lang="en-US" dirty="0" smtClean="0"/>
+          </a:p>
+          <a:p>
+            <a:pPr lvl="1"/>
             <a:r>
               <a:rPr lang="en-US" dirty="0" smtClean="0"/>
-              <a:t>caTissue application must use authentication APIs provided by CSM to validate and verify a user’s credentials and allow access to the application. </a:t>
-            </a:r>
-          </a:p>
-          <a:p>
+              <a:t>Dynamic Extension</a:t>
+            </a:r>
+          </a:p>
+          <a:p>
+            <a:pPr lvl="1"/>
             <a:r>
               <a:rPr lang="en-US" dirty="0" smtClean="0"/>
-              <a:t>caTissue must use authorization APIs provided by CSM to grant access on data, methods, objects and allows user to perform only those operations or access data to which they have access privileges.</a:t>
-            </a:r>
+              <a:t>Query module</a:t>
+            </a:r>
+          </a:p>
+          <a:p>
+            <a:pPr lvl="1"/>
+            <a:r>
+              <a:rPr lang="en-US" dirty="0" err="1" smtClean="0"/>
+              <a:t>caBIGs</a:t>
+            </a:r>
+            <a:r>
+              <a:rPr lang="en-US" dirty="0" smtClean="0"/>
+              <a:t> Common Security module</a:t>
+            </a:r>
+          </a:p>
+          <a:p>
+            <a:pPr lvl="1"/>
+            <a:r>
+              <a:rPr lang="en-US" dirty="0" err="1" smtClean="0"/>
+              <a:t>caBIGs</a:t>
+            </a:r>
+            <a:r>
+              <a:rPr lang="en-US" dirty="0" smtClean="0"/>
+              <a:t> caCORE API</a:t>
+            </a:r>
+          </a:p>
+          <a:p>
+            <a:pPr lvl="1"/>
+            <a:r>
+              <a:rPr lang="en-US" dirty="0" err="1" smtClean="0"/>
+              <a:t>caBIGs</a:t>
+            </a:r>
+            <a:r>
+              <a:rPr lang="en-US" dirty="0" smtClean="0"/>
+              <a:t> caGrid data service</a:t>
+            </a:r>
+          </a:p>
+          <a:p>
+            <a:pPr lvl="1"/>
+            <a:endParaRPr lang="en-US" dirty="0" smtClean="0"/>
           </a:p>
           <a:p>
             <a:pPr lvl="1"/>
@@ -9049,12 +9083,8 @@
           <a:lstStyle/>
           <a:p>
             <a:r>
-              <a:rPr lang="en-US" dirty="0" err="1" smtClean="0"/>
-              <a:t>caBIG</a:t>
-            </a:r>
-            <a:r>
               <a:rPr lang="en-US" dirty="0" smtClean="0"/>
-              <a:t> requirements</a:t>
+              <a:t>Functional requirements</a:t>
             </a:r>
             <a:endParaRPr lang="en-US" dirty="0"/>
           </a:p>
@@ -9065,6 +9095,13 @@
   <p:clrMapOvr>
     <a:masterClrMapping/>
   </p:clrMapOvr>
+  <p:timing>
+    <p:tnLst>
+      <p:par>
+        <p:cTn id="1" dur="indefinite" restart="never" nodeType="tmRoot"/>
+      </p:par>
+    </p:tnLst>
+  </p:timing>
 </p:sld>
 </file>
 
@@ -9087,146 +9124,6 @@
       </p:grpSpPr>
       <p:sp>
         <p:nvSpPr>
-          <p:cNvPr id="3" name="Content Placeholder 2"/>
-          <p:cNvSpPr>
-            <a:spLocks noGrp="1"/>
-          </p:cNvSpPr>
-          <p:nvPr>
-            <p:ph idx="1"/>
-          </p:nvPr>
-        </p:nvSpPr>
-        <p:spPr/>
-        <p:txBody>
-          <a:bodyPr/>
-          <a:lstStyle/>
-          <a:p>
-            <a:r>
-              <a:rPr lang="en-US" dirty="0" smtClean="0"/>
-              <a:t>caTissue is an integrated system supports</a:t>
-            </a:r>
-          </a:p>
-          <a:p>
-            <a:pPr lvl="1"/>
-            <a:r>
-              <a:rPr lang="en-US" dirty="0" smtClean="0"/>
-              <a:t>caTissue Core module</a:t>
-            </a:r>
-          </a:p>
-          <a:p>
-            <a:pPr lvl="1"/>
-            <a:r>
-              <a:rPr lang="en-US" dirty="0" err="1" smtClean="0"/>
-              <a:t>caTIES</a:t>
-            </a:r>
-            <a:endParaRPr lang="en-US" dirty="0" smtClean="0"/>
-          </a:p>
-          <a:p>
-            <a:pPr lvl="1"/>
-            <a:r>
-              <a:rPr lang="en-US" dirty="0" smtClean="0"/>
-              <a:t>Dynamic Extension</a:t>
-            </a:r>
-          </a:p>
-          <a:p>
-            <a:pPr lvl="1"/>
-            <a:r>
-              <a:rPr lang="en-US" dirty="0" smtClean="0"/>
-              <a:t>Query module</a:t>
-            </a:r>
-          </a:p>
-          <a:p>
-            <a:pPr lvl="1"/>
-            <a:r>
-              <a:rPr lang="en-US" dirty="0" err="1" smtClean="0"/>
-              <a:t>caBIGs</a:t>
-            </a:r>
-            <a:r>
-              <a:rPr lang="en-US" dirty="0" smtClean="0"/>
-              <a:t> Common Security module</a:t>
-            </a:r>
-          </a:p>
-          <a:p>
-            <a:pPr lvl="1"/>
-            <a:r>
-              <a:rPr lang="en-US" dirty="0" err="1" smtClean="0"/>
-              <a:t>caBIGs</a:t>
-            </a:r>
-            <a:r>
-              <a:rPr lang="en-US" dirty="0" smtClean="0"/>
-              <a:t> caCORE API</a:t>
-            </a:r>
-          </a:p>
-          <a:p>
-            <a:pPr lvl="1"/>
-            <a:r>
-              <a:rPr lang="en-US" dirty="0" err="1" smtClean="0"/>
-              <a:t>caBIGs</a:t>
-            </a:r>
-            <a:r>
-              <a:rPr lang="en-US" dirty="0" smtClean="0"/>
-              <a:t> caGrid data service</a:t>
-            </a:r>
-          </a:p>
-          <a:p>
-            <a:pPr lvl="1"/>
-            <a:endParaRPr lang="en-US" dirty="0" smtClean="0"/>
-          </a:p>
-          <a:p>
-            <a:pPr lvl="1"/>
-            <a:endParaRPr lang="en-US" dirty="0"/>
-          </a:p>
-        </p:txBody>
-      </p:sp>
-      <p:sp>
-        <p:nvSpPr>
-          <p:cNvPr id="2" name="Title 1"/>
-          <p:cNvSpPr>
-            <a:spLocks noGrp="1"/>
-          </p:cNvSpPr>
-          <p:nvPr>
-            <p:ph type="title"/>
-          </p:nvPr>
-        </p:nvSpPr>
-        <p:spPr/>
-        <p:txBody>
-          <a:bodyPr/>
-          <a:lstStyle/>
-          <a:p>
-            <a:r>
-              <a:rPr lang="en-US" dirty="0" smtClean="0"/>
-              <a:t>Functional requirements</a:t>
-            </a:r>
-            <a:endParaRPr lang="en-US" dirty="0"/>
-          </a:p>
-        </p:txBody>
-      </p:sp>
-    </p:spTree>
-  </p:cSld>
-  <p:clrMapOvr>
-    <a:masterClrMapping/>
-  </p:clrMapOvr>
-</p:sld>
-</file>
-
-<file path=ppt/slides/slide17.xml><?xml version="1.0" encoding="utf-8"?>
-<p:sld xmlns:a="http://schemas.openxmlformats.org/drawingml/2006/main" xmlns:r="http://schemas.openxmlformats.org/officeDocument/2006/relationships" xmlns:p="http://schemas.openxmlformats.org/presentationml/2006/main">
-  <p:cSld>
-    <p:spTree>
-      <p:nvGrpSpPr>
-        <p:cNvPr id="1" name=""/>
-        <p:cNvGrpSpPr/>
-        <p:nvPr/>
-      </p:nvGrpSpPr>
-      <p:grpSpPr>
-        <a:xfrm>
-          <a:off x="0" y="0"/>
-          <a:ext cx="0" cy="0"/>
-          <a:chOff x="0" y="0"/>
-          <a:chExt cx="0" cy="0"/>
-        </a:xfrm>
-      </p:grpSpPr>
-      <p:sp>
-        <p:nvSpPr>
           <p:cNvPr id="2" name="Content Placeholder 1"/>
           <p:cNvSpPr>
             <a:spLocks noGrp="1"/>
@@ -9301,10 +9198,17 @@
   <p:clrMapOvr>
     <a:masterClrMapping/>
   </p:clrMapOvr>
+  <p:timing>
+    <p:tnLst>
+      <p:par>
+        <p:cTn id="1" dur="indefinite" restart="never" nodeType="tmRoot"/>
+      </p:par>
+    </p:tnLst>
+  </p:timing>
 </p:sld>
 </file>
 
-<file path=ppt/slides/slide18.xml><?xml version="1.0" encoding="utf-8"?>
+<file path=ppt/slides/slide17.xml><?xml version="1.0" encoding="utf-8"?>
 <p:sld xmlns:a="http://schemas.openxmlformats.org/drawingml/2006/main" xmlns:r="http://schemas.openxmlformats.org/officeDocument/2006/relationships" xmlns:p="http://schemas.openxmlformats.org/presentationml/2006/main">
   <p:cSld>
     <p:spTree>
@@ -9392,7 +9296,7 @@
 </p:sld>
 </file>
 
-<file path=ppt/slides/slide19.xml><?xml version="1.0" encoding="utf-8"?>
+<file path=ppt/slides/slide18.xml><?xml version="1.0" encoding="utf-8"?>
 <p:sld xmlns:a="http://schemas.openxmlformats.org/drawingml/2006/main" xmlns:r="http://schemas.openxmlformats.org/officeDocument/2006/relationships" xmlns:p="http://schemas.openxmlformats.org/presentationml/2006/main">
   <p:cSld>
     <p:spTree>
@@ -10418,6 +10322,151 @@
       </p:par>
     </p:tnLst>
   </p:timing>
+</p:sld>
+</file>
+
+<file path=ppt/slides/slide19.xml><?xml version="1.0" encoding="utf-8"?>
+<p:sld xmlns:a="http://schemas.openxmlformats.org/drawingml/2006/main" xmlns:r="http://schemas.openxmlformats.org/officeDocument/2006/relationships" xmlns:p="http://schemas.openxmlformats.org/presentationml/2006/main">
+  <p:cSld>
+    <p:spTree>
+      <p:nvGrpSpPr>
+        <p:cNvPr id="1" name=""/>
+        <p:cNvGrpSpPr/>
+        <p:nvPr/>
+      </p:nvGrpSpPr>
+      <p:grpSpPr>
+        <a:xfrm>
+          <a:off x="0" y="0"/>
+          <a:ext cx="0" cy="0"/>
+          <a:chOff x="0" y="0"/>
+          <a:chExt cx="0" cy="0"/>
+        </a:xfrm>
+      </p:grpSpPr>
+      <p:sp>
+        <p:nvSpPr>
+          <p:cNvPr id="3" name="Content Placeholder 2"/>
+          <p:cNvSpPr>
+            <a:spLocks noGrp="1"/>
+          </p:cNvSpPr>
+          <p:nvPr>
+            <p:ph idx="1"/>
+          </p:nvPr>
+        </p:nvSpPr>
+        <p:spPr/>
+        <p:txBody>
+          <a:bodyPr>
+            <a:normAutofit/>
+          </a:bodyPr>
+          <a:lstStyle/>
+          <a:p>
+            <a:r>
+              <a:rPr lang="en-US" dirty="0" smtClean="0"/>
+              <a:t>Administrative data contains</a:t>
+            </a:r>
+          </a:p>
+          <a:p>
+            <a:pPr lvl="1"/>
+            <a:r>
+              <a:rPr lang="en-US" dirty="0" smtClean="0"/>
+              <a:t>User</a:t>
+            </a:r>
+          </a:p>
+          <a:p>
+            <a:pPr lvl="1"/>
+            <a:r>
+              <a:rPr lang="en-US" dirty="0" smtClean="0"/>
+              <a:t>Institute</a:t>
+            </a:r>
+          </a:p>
+          <a:p>
+            <a:pPr lvl="1"/>
+            <a:r>
+              <a:rPr lang="en-US" dirty="0" smtClean="0"/>
+              <a:t>Department</a:t>
+            </a:r>
+          </a:p>
+          <a:p>
+            <a:pPr lvl="1"/>
+            <a:r>
+              <a:rPr lang="en-US" dirty="0" smtClean="0"/>
+              <a:t>Site</a:t>
+            </a:r>
+          </a:p>
+          <a:p>
+            <a:pPr lvl="1"/>
+            <a:r>
+              <a:rPr lang="en-US" dirty="0" smtClean="0"/>
+              <a:t>Storage Container</a:t>
+            </a:r>
+          </a:p>
+          <a:p>
+            <a:pPr lvl="1"/>
+            <a:r>
+              <a:rPr lang="en-US" dirty="0" smtClean="0"/>
+              <a:t>Collection Protocol</a:t>
+            </a:r>
+          </a:p>
+          <a:p>
+            <a:pPr lvl="1"/>
+            <a:r>
+              <a:rPr lang="en-US" dirty="0" smtClean="0"/>
+              <a:t>Distribution Protocol</a:t>
+            </a:r>
+          </a:p>
+          <a:p>
+            <a:pPr lvl="1"/>
+            <a:r>
+              <a:rPr lang="en-US" dirty="0" smtClean="0"/>
+              <a:t>Specimen Array Type</a:t>
+            </a:r>
+          </a:p>
+          <a:p>
+            <a:pPr lvl="1"/>
+            <a:r>
+              <a:rPr lang="en-US" dirty="0" smtClean="0"/>
+              <a:t>Local Extensions</a:t>
+            </a:r>
+          </a:p>
+          <a:p>
+            <a:pPr lvl="1"/>
+            <a:r>
+              <a:rPr lang="en-US" dirty="0" smtClean="0"/>
+              <a:t>Conflicting reports </a:t>
+            </a:r>
+          </a:p>
+          <a:p>
+            <a:endParaRPr lang="en-US" dirty="0"/>
+          </a:p>
+        </p:txBody>
+      </p:sp>
+      <p:sp>
+        <p:nvSpPr>
+          <p:cNvPr id="2" name="Title 1"/>
+          <p:cNvSpPr>
+            <a:spLocks noGrp="1"/>
+          </p:cNvSpPr>
+          <p:nvPr>
+            <p:ph type="title"/>
+          </p:nvPr>
+        </p:nvSpPr>
+        <p:spPr/>
+        <p:txBody>
+          <a:bodyPr/>
+          <a:lstStyle/>
+          <a:p>
+            <a:r>
+              <a:rPr lang="en-US" dirty="0" smtClean="0"/>
+              <a:t>Administrative Function</a:t>
+            </a:r>
+            <a:endParaRPr lang="en-US" dirty="0"/>
+          </a:p>
+        </p:txBody>
+      </p:sp>
+    </p:spTree>
+  </p:cSld>
+  <p:clrMapOvr>
+    <a:masterClrMapping/>
+  </p:clrMapOvr>
 </p:sld>
 </file>
 
@@ -10482,11 +10531,7 @@
             <a:pPr lvl="1"/>
             <a:r>
               <a:rPr lang="en-US" dirty="0" smtClean="0"/>
-              <a:t>Technical </a:t>
-            </a:r>
-            <a:r>
-              <a:rPr lang="en-US" dirty="0" smtClean="0"/>
-              <a:t>specification </a:t>
+              <a:t>Technical specification </a:t>
             </a:r>
           </a:p>
           <a:p>
@@ -10585,7 +10630,7 @@
       </p:grpSpPr>
       <p:sp>
         <p:nvSpPr>
-          <p:cNvPr id="3" name="Content Placeholder 2"/>
+          <p:cNvPr id="2" name="Content Placeholder 1"/>
           <p:cNvSpPr>
             <a:spLocks noGrp="1"/>
           </p:cNvSpPr>
@@ -10596,93 +10641,39 @@
         <p:spPr/>
         <p:txBody>
           <a:bodyPr>
-            <a:normAutofit/>
+            <a:normAutofit lnSpcReduction="10000"/>
           </a:bodyPr>
           <a:lstStyle/>
           <a:p>
             <a:r>
               <a:rPr lang="en-US" dirty="0" smtClean="0"/>
-              <a:t>Administrative data contains</a:t>
-            </a:r>
-          </a:p>
-          <a:p>
-            <a:pPr lvl="1"/>
+              <a:t>Supports Add/Edit operation on administrative data</a:t>
+            </a:r>
+          </a:p>
+          <a:p>
             <a:r>
               <a:rPr lang="en-US" dirty="0" smtClean="0"/>
-              <a:t>User</a:t>
-            </a:r>
-          </a:p>
-          <a:p>
-            <a:pPr lvl="1"/>
+              <a:t>Assign roles and define data authorization for registered users</a:t>
+            </a:r>
+          </a:p>
+          <a:p>
             <a:r>
               <a:rPr lang="en-US" dirty="0" smtClean="0"/>
-              <a:t>Institute</a:t>
-            </a:r>
-          </a:p>
-          <a:p>
-            <a:pPr lvl="1"/>
+              <a:t>Defines Collection protocol, basically a rule for a particular research defining when, what specimens to be collected from registered patient/participant</a:t>
+            </a:r>
+          </a:p>
+          <a:p>
             <a:r>
               <a:rPr lang="en-US" dirty="0" smtClean="0"/>
-              <a:t>Department</a:t>
-            </a:r>
-          </a:p>
-          <a:p>
-            <a:pPr lvl="1"/>
-            <a:r>
-              <a:rPr lang="en-US" dirty="0" smtClean="0"/>
-              <a:t>Site</a:t>
-            </a:r>
-          </a:p>
-          <a:p>
-            <a:pPr lvl="1"/>
-            <a:r>
-              <a:rPr lang="en-US" dirty="0" smtClean="0"/>
-              <a:t>Storage Container</a:t>
-            </a:r>
-          </a:p>
-          <a:p>
-            <a:pPr lvl="1"/>
-            <a:r>
-              <a:rPr lang="en-US" dirty="0" smtClean="0"/>
-              <a:t>Collection Protocol</a:t>
-            </a:r>
-          </a:p>
-          <a:p>
-            <a:pPr lvl="1"/>
-            <a:r>
-              <a:rPr lang="en-US" dirty="0" smtClean="0"/>
-              <a:t>Distribution Protocol</a:t>
-            </a:r>
-          </a:p>
-          <a:p>
-            <a:pPr lvl="1"/>
-            <a:r>
-              <a:rPr lang="en-US" dirty="0" smtClean="0"/>
-              <a:t>Specimen Array Type</a:t>
-            </a:r>
-          </a:p>
-          <a:p>
-            <a:pPr lvl="1"/>
-            <a:r>
-              <a:rPr lang="en-US" dirty="0" smtClean="0"/>
-              <a:t>Local Extensions</a:t>
-            </a:r>
-          </a:p>
-          <a:p>
-            <a:pPr lvl="1"/>
-            <a:r>
-              <a:rPr lang="en-US" dirty="0" smtClean="0"/>
-              <a:t>Conflicting reports </a:t>
-            </a:r>
-          </a:p>
-          <a:p>
+              <a:t>Defines Storage container hierarchy of the bank. E.g. Freezer, box etc. its capacity, restrictions.</a:t>
+            </a:r>
             <a:endParaRPr lang="en-US" dirty="0"/>
           </a:p>
         </p:txBody>
       </p:sp>
       <p:sp>
         <p:nvSpPr>
-          <p:cNvPr id="2" name="Title 1"/>
+          <p:cNvPr id="3" name="Title 2"/>
           <p:cNvSpPr>
             <a:spLocks noGrp="1"/>
           </p:cNvSpPr>
@@ -10740,32 +10731,18 @@
         </p:nvSpPr>
         <p:spPr/>
         <p:txBody>
-          <a:bodyPr>
-            <a:normAutofit lnSpcReduction="10000"/>
-          </a:bodyPr>
+          <a:bodyPr/>
           <a:lstStyle/>
           <a:p>
             <a:r>
               <a:rPr lang="en-US" dirty="0" smtClean="0"/>
-              <a:t>Supports Add/Edit operation on administrative data</a:t>
+              <a:t>Dynamic form creation for annotating participant, specimen data</a:t>
             </a:r>
           </a:p>
           <a:p>
             <a:r>
               <a:rPr lang="en-US" dirty="0" smtClean="0"/>
-              <a:t>Assign roles and define data authorization for registered users</a:t>
-            </a:r>
-          </a:p>
-          <a:p>
-            <a:r>
-              <a:rPr lang="en-US" dirty="0" smtClean="0"/>
-              <a:t>Defines Collection protocol, basically a rule for a particular research defining when, what specimens to be collected from registered patient/participant</a:t>
-            </a:r>
-          </a:p>
-          <a:p>
-            <a:r>
-              <a:rPr lang="en-US" dirty="0" smtClean="0"/>
-              <a:t>Defines Storage container hierarchy of the bank. E.g. Freezer, box etc. its capacity, restrictions.</a:t>
+              <a:t>Dynamic form provides ability to define more attributes (which is not available in static model ) for user to capture more information related to research</a:t>
             </a:r>
             <a:endParaRPr lang="en-US" dirty="0"/>
           </a:p>
@@ -10836,14 +10813,46 @@
           <a:p>
             <a:r>
               <a:rPr lang="en-US" dirty="0" smtClean="0"/>
-              <a:t>Dynamic form creation for annotating participant, specimen data</a:t>
+              <a:t>Add/Edit participant information </a:t>
             </a:r>
           </a:p>
           <a:p>
             <a:r>
               <a:rPr lang="en-US" dirty="0" smtClean="0"/>
-              <a:t>Dynamic form provides ability to define more attributes (which is not available in static model ) for user to capture more information related to research</a:t>
-            </a:r>
+              <a:t>Register participant to a collection protocols</a:t>
+            </a:r>
+          </a:p>
+          <a:p>
+            <a:r>
+              <a:rPr lang="en-US" dirty="0" smtClean="0"/>
+              <a:t>Mark specimen collection</a:t>
+            </a:r>
+          </a:p>
+          <a:p>
+            <a:r>
+              <a:rPr lang="en-US" dirty="0" smtClean="0"/>
+              <a:t>Store specimens at particular container</a:t>
+            </a:r>
+          </a:p>
+          <a:p>
+            <a:r>
+              <a:rPr lang="en-US" dirty="0" smtClean="0"/>
+              <a:t>Technician/Supervisor users track specimen events, basically operation performed on specimen</a:t>
+            </a:r>
+          </a:p>
+          <a:p>
+            <a:r>
+              <a:rPr lang="en-US" dirty="0" smtClean="0"/>
+              <a:t>Scientist users can order the specimen</a:t>
+            </a:r>
+          </a:p>
+          <a:p>
+            <a:r>
+              <a:rPr lang="en-US" dirty="0" smtClean="0"/>
+              <a:t>Specimens are distributed for further research to scientist</a:t>
+            </a:r>
+          </a:p>
+          <a:p>
             <a:endParaRPr lang="en-US" dirty="0"/>
           </a:p>
         </p:txBody>
@@ -10864,8 +10873,12 @@
           <a:lstStyle/>
           <a:p>
             <a:r>
+              <a:rPr lang="en-US" dirty="0" err="1" smtClean="0"/>
+              <a:t>BioSpecimen</a:t>
+            </a:r>
+            <a:r>
               <a:rPr lang="en-US" dirty="0" smtClean="0"/>
-              <a:t>Administrative Function</a:t>
+              <a:t> Function</a:t>
             </a:r>
             <a:endParaRPr lang="en-US" dirty="0"/>
           </a:p>
@@ -10908,51 +10921,45 @@
         </p:nvSpPr>
         <p:spPr/>
         <p:txBody>
-          <a:bodyPr/>
+          <a:bodyPr>
+            <a:normAutofit lnSpcReduction="10000"/>
+          </a:bodyPr>
           <a:lstStyle/>
           <a:p>
             <a:r>
+              <a:rPr lang="en-US" dirty="0" err="1" smtClean="0"/>
+              <a:t>caTIES</a:t>
+            </a:r>
+            <a:r>
               <a:rPr lang="en-US" dirty="0" smtClean="0"/>
-              <a:t>Add/Edit participant information </a:t>
-            </a:r>
-          </a:p>
-          <a:p>
+              <a:t> provides a method to allow </a:t>
+            </a:r>
+            <a:r>
+              <a:rPr lang="en-US" dirty="0" err="1" smtClean="0"/>
+              <a:t>caBIG</a:t>
+            </a:r>
             <a:r>
               <a:rPr lang="en-US" dirty="0" smtClean="0"/>
-              <a:t>Register participant to a collection protocols</a:t>
-            </a:r>
-          </a:p>
-          <a:p>
+              <a:t> adopters to automate the process of coding, storing and retrieving data from free-text Pathology Reports. </a:t>
+            </a:r>
+          </a:p>
+          <a:p>
+            <a:r>
+              <a:rPr lang="en-US" dirty="0" err="1" smtClean="0"/>
+              <a:t>caTIES</a:t>
+            </a:r>
             <a:r>
               <a:rPr lang="en-US" dirty="0" smtClean="0"/>
-              <a:t>Mark specimen collection</a:t>
-            </a:r>
-          </a:p>
-          <a:p>
+              <a:t> add value to </a:t>
+            </a:r>
+            <a:r>
+              <a:rPr lang="en-US" dirty="0" err="1" smtClean="0"/>
+              <a:t>caBIG</a:t>
+            </a:r>
             <a:r>
               <a:rPr lang="en-US" dirty="0" smtClean="0"/>
-              <a:t>Store specimens at particular container</a:t>
-            </a:r>
-          </a:p>
-          <a:p>
-            <a:r>
-              <a:rPr lang="en-US" dirty="0" smtClean="0"/>
-              <a:t>Technician/Supervisor users track specimen events, basically operation performed on specimen</a:t>
-            </a:r>
-          </a:p>
-          <a:p>
-            <a:r>
-              <a:rPr lang="en-US" dirty="0" smtClean="0"/>
-              <a:t>Scientist users can order the specimen</a:t>
-            </a:r>
-          </a:p>
-          <a:p>
-            <a:r>
-              <a:rPr lang="en-US" dirty="0" smtClean="0"/>
-              <a:t>Specimens are distributed for further research to scientist</a:t>
-            </a:r>
-          </a:p>
-          <a:p>
+              <a:t> by reducing the time required to extract patient information from Pathology Reports, while ensuring a common vocabulary and terminology structure to facilitate the storage, query, retrieval and sharing of data associated with pathology samples.</a:t>
+            </a:r>
             <a:endParaRPr lang="en-US" dirty="0"/>
           </a:p>
         </p:txBody>
@@ -10974,11 +10981,7 @@
           <a:p>
             <a:r>
               <a:rPr lang="en-US" dirty="0" err="1" smtClean="0"/>
-              <a:t>BioSpecimen</a:t>
-            </a:r>
-            <a:r>
-              <a:rPr lang="en-US" dirty="0" smtClean="0"/>
-              <a:t> Function</a:t>
+              <a:t>caTIES</a:t>
             </a:r>
             <a:endParaRPr lang="en-US" dirty="0"/>
           </a:p>
@@ -10993,109 +10996,6 @@
 </file>
 
 <file path=ppt/slides/slide24.xml><?xml version="1.0" encoding="utf-8"?>
-<p:sld xmlns:a="http://schemas.openxmlformats.org/drawingml/2006/main" xmlns:r="http://schemas.openxmlformats.org/officeDocument/2006/relationships" xmlns:p="http://schemas.openxmlformats.org/presentationml/2006/main">
-  <p:cSld>
-    <p:spTree>
-      <p:nvGrpSpPr>
-        <p:cNvPr id="1" name=""/>
-        <p:cNvGrpSpPr/>
-        <p:nvPr/>
-      </p:nvGrpSpPr>
-      <p:grpSpPr>
-        <a:xfrm>
-          <a:off x="0" y="0"/>
-          <a:ext cx="0" cy="0"/>
-          <a:chOff x="0" y="0"/>
-          <a:chExt cx="0" cy="0"/>
-        </a:xfrm>
-      </p:grpSpPr>
-      <p:sp>
-        <p:nvSpPr>
-          <p:cNvPr id="2" name="Content Placeholder 1"/>
-          <p:cNvSpPr>
-            <a:spLocks noGrp="1"/>
-          </p:cNvSpPr>
-          <p:nvPr>
-            <p:ph idx="1"/>
-          </p:nvPr>
-        </p:nvSpPr>
-        <p:spPr/>
-        <p:txBody>
-          <a:bodyPr>
-            <a:normAutofit lnSpcReduction="10000"/>
-          </a:bodyPr>
-          <a:lstStyle/>
-          <a:p>
-            <a:r>
-              <a:rPr lang="en-US" dirty="0" err="1" smtClean="0"/>
-              <a:t>caTIES</a:t>
-            </a:r>
-            <a:r>
-              <a:rPr lang="en-US" dirty="0" smtClean="0"/>
-              <a:t> provides a method to allow </a:t>
-            </a:r>
-            <a:r>
-              <a:rPr lang="en-US" dirty="0" err="1" smtClean="0"/>
-              <a:t>caBIG</a:t>
-            </a:r>
-            <a:r>
-              <a:rPr lang="en-US" dirty="0" smtClean="0"/>
-              <a:t> adopters to automate the process of coding, storing and retrieving data from free-text Pathology Reports. </a:t>
-            </a:r>
-          </a:p>
-          <a:p>
-            <a:r>
-              <a:rPr lang="en-US" dirty="0" err="1" smtClean="0"/>
-              <a:t>caTIES</a:t>
-            </a:r>
-            <a:r>
-              <a:rPr lang="en-US" dirty="0" smtClean="0"/>
-              <a:t> add value to </a:t>
-            </a:r>
-            <a:r>
-              <a:rPr lang="en-US" dirty="0" err="1" smtClean="0"/>
-              <a:t>caBIG</a:t>
-            </a:r>
-            <a:r>
-              <a:rPr lang="en-US" dirty="0" smtClean="0"/>
-              <a:t> by reducing the time required to extract patient information from Pathology Reports, while ensuring a common vocabulary and terminology structure to facilitate the storage, query, retrieval and sharing of data associated with pathology samples.</a:t>
-            </a:r>
-            <a:endParaRPr lang="en-US" dirty="0"/>
-          </a:p>
-        </p:txBody>
-      </p:sp>
-      <p:sp>
-        <p:nvSpPr>
-          <p:cNvPr id="3" name="Title 2"/>
-          <p:cNvSpPr>
-            <a:spLocks noGrp="1"/>
-          </p:cNvSpPr>
-          <p:nvPr>
-            <p:ph type="title"/>
-          </p:nvPr>
-        </p:nvSpPr>
-        <p:spPr/>
-        <p:txBody>
-          <a:bodyPr/>
-          <a:lstStyle/>
-          <a:p>
-            <a:r>
-              <a:rPr lang="en-US" dirty="0" err="1" smtClean="0"/>
-              <a:t>caTIES</a:t>
-            </a:r>
-            <a:endParaRPr lang="en-US" dirty="0"/>
-          </a:p>
-        </p:txBody>
-      </p:sp>
-    </p:spTree>
-  </p:cSld>
-  <p:clrMapOvr>
-    <a:masterClrMapping/>
-  </p:clrMapOvr>
-</p:sld>
-</file>
-
-<file path=ppt/slides/slide25.xml><?xml version="1.0" encoding="utf-8"?>
 <p:sld xmlns:a="http://schemas.openxmlformats.org/drawingml/2006/main" xmlns:r="http://schemas.openxmlformats.org/officeDocument/2006/relationships" xmlns:p="http://schemas.openxmlformats.org/presentationml/2006/main">
   <p:cSld>
     <p:spTree>
@@ -11662,7 +11562,7 @@
 </p:sld>
 </file>
 
-<file path=ppt/slides/slide26.xml><?xml version="1.0" encoding="utf-8"?>
+<file path=ppt/slides/slide25.xml><?xml version="1.0" encoding="utf-8"?>
 <p:sld xmlns:a="http://schemas.openxmlformats.org/drawingml/2006/main" xmlns:r="http://schemas.openxmlformats.org/officeDocument/2006/relationships" xmlns:p="http://schemas.openxmlformats.org/presentationml/2006/main">
   <p:cSld>
     <p:spTree>
@@ -12126,7 +12026,7 @@
 </p:sld>
 </file>
 
-<file path=ppt/slides/slide27.xml><?xml version="1.0" encoding="utf-8"?>
+<file path=ppt/slides/slide26.xml><?xml version="1.0" encoding="utf-8"?>
 <p:sld xmlns:a="http://schemas.openxmlformats.org/drawingml/2006/main" xmlns:r="http://schemas.openxmlformats.org/officeDocument/2006/relationships" xmlns:p="http://schemas.openxmlformats.org/presentationml/2006/main">
   <p:cSld>
     <p:spTree>
@@ -14306,7 +14206,7 @@
 </p:sld>
 </file>
 
-<file path=ppt/slides/slide28.xml><?xml version="1.0" encoding="utf-8"?>
+<file path=ppt/slides/slide27.xml><?xml version="1.0" encoding="utf-8"?>
 <p:sld xmlns:a="http://schemas.openxmlformats.org/drawingml/2006/main" xmlns:r="http://schemas.openxmlformats.org/officeDocument/2006/relationships" xmlns:p="http://schemas.openxmlformats.org/presentationml/2006/main">
   <p:cSld>
     <p:spTree>
@@ -14522,6 +14422,142 @@
 </p:sld>
 </file>
 
+<file path=ppt/slides/slide28.xml><?xml version="1.0" encoding="utf-8"?>
+<p:sld xmlns:a="http://schemas.openxmlformats.org/drawingml/2006/main" xmlns:r="http://schemas.openxmlformats.org/officeDocument/2006/relationships" xmlns:p="http://schemas.openxmlformats.org/presentationml/2006/main">
+  <p:cSld>
+    <p:spTree>
+      <p:nvGrpSpPr>
+        <p:cNvPr id="1" name=""/>
+        <p:cNvGrpSpPr/>
+        <p:nvPr/>
+      </p:nvGrpSpPr>
+      <p:grpSpPr>
+        <a:xfrm>
+          <a:off x="0" y="0"/>
+          <a:ext cx="0" cy="0"/>
+          <a:chOff x="0" y="0"/>
+          <a:chExt cx="0" cy="0"/>
+        </a:xfrm>
+      </p:grpSpPr>
+      <p:sp>
+        <p:nvSpPr>
+          <p:cNvPr id="2" name="Content Placeholder 1"/>
+          <p:cNvSpPr>
+            <a:spLocks noGrp="1"/>
+          </p:cNvSpPr>
+          <p:nvPr>
+            <p:ph idx="1"/>
+          </p:nvPr>
+        </p:nvSpPr>
+        <p:spPr/>
+        <p:txBody>
+          <a:bodyPr/>
+          <a:lstStyle/>
+          <a:p>
+            <a:r>
+              <a:rPr lang="en-US" dirty="0" smtClean="0"/>
+              <a:t>Query </a:t>
+            </a:r>
+            <a:r>
+              <a:rPr lang="en-US" u="sng" dirty="0" smtClean="0"/>
+              <a:t>any</a:t>
+            </a:r>
+            <a:r>
+              <a:rPr lang="en-US" dirty="0" smtClean="0"/>
+              <a:t> object in caTissue</a:t>
+            </a:r>
+          </a:p>
+          <a:p>
+            <a:r>
+              <a:rPr lang="en-US" dirty="0" smtClean="0"/>
+              <a:t>Query with conditions on </a:t>
+            </a:r>
+            <a:r>
+              <a:rPr lang="en-US" u="sng" dirty="0" smtClean="0"/>
+              <a:t>multiple</a:t>
+            </a:r>
+            <a:r>
+              <a:rPr lang="en-US" dirty="0" smtClean="0"/>
+              <a:t> objects </a:t>
+            </a:r>
+          </a:p>
+          <a:p>
+            <a:pPr lvl="1"/>
+            <a:r>
+              <a:rPr lang="en-US" dirty="0" smtClean="0"/>
+              <a:t>as long as there exists a valid path between the objects in the UML model</a:t>
+            </a:r>
+          </a:p>
+          <a:p>
+            <a:r>
+              <a:rPr lang="en-US" dirty="0" smtClean="0"/>
+              <a:t>Define view to contain </a:t>
+            </a:r>
+            <a:r>
+              <a:rPr lang="en-US" u="sng" dirty="0" smtClean="0"/>
+              <a:t>any</a:t>
+            </a:r>
+            <a:r>
+              <a:rPr lang="en-US" dirty="0" smtClean="0"/>
+              <a:t> object in the view</a:t>
+            </a:r>
+          </a:p>
+          <a:p>
+            <a:r>
+              <a:rPr lang="en-US" dirty="0" smtClean="0"/>
+              <a:t>Save query, export data</a:t>
+            </a:r>
+          </a:p>
+          <a:p>
+            <a:r>
+              <a:rPr lang="en-US" dirty="0" smtClean="0"/>
+              <a:t>Proceed to bulk operations,  shipment or order </a:t>
+            </a:r>
+            <a:r>
+              <a:rPr lang="en-US" dirty="0" err="1" smtClean="0"/>
+              <a:t>biospecimens</a:t>
+            </a:r>
+            <a:r>
+              <a:rPr lang="en-US" dirty="0" smtClean="0"/>
+              <a:t>.</a:t>
+            </a:r>
+          </a:p>
+          <a:p>
+            <a:endParaRPr lang="en-US" dirty="0"/>
+          </a:p>
+        </p:txBody>
+      </p:sp>
+      <p:sp>
+        <p:nvSpPr>
+          <p:cNvPr id="3" name="Title 2"/>
+          <p:cNvSpPr>
+            <a:spLocks noGrp="1"/>
+          </p:cNvSpPr>
+          <p:nvPr>
+            <p:ph type="title"/>
+          </p:nvPr>
+        </p:nvSpPr>
+        <p:spPr/>
+        <p:txBody>
+          <a:bodyPr/>
+          <a:lstStyle/>
+          <a:p>
+            <a:r>
+              <a:rPr lang="en-US" dirty="0" smtClean="0"/>
+              <a:t>Query module</a:t>
+            </a:r>
+            <a:endParaRPr lang="en-US" dirty="0"/>
+          </a:p>
+        </p:txBody>
+      </p:sp>
+    </p:spTree>
+  </p:cSld>
+  <p:clrMapOvr>
+    <a:masterClrMapping/>
+  </p:clrMapOvr>
+</p:sld>
+</file>
+
 <file path=ppt/slides/slide29.xml><?xml version="1.0" encoding="utf-8"?>
 <p:sld xmlns:a="http://schemas.openxmlformats.org/drawingml/2006/main" xmlns:r="http://schemas.openxmlformats.org/officeDocument/2006/relationships" xmlns:p="http://schemas.openxmlformats.org/presentationml/2006/main">
   <p:cSld>
@@ -14556,70 +14592,27 @@
           <a:p>
             <a:r>
               <a:rPr lang="en-US" dirty="0" smtClean="0"/>
-              <a:t>Query </a:t>
-            </a:r>
-            <a:r>
-              <a:rPr lang="en-US" u="sng" dirty="0" smtClean="0"/>
-              <a:t>any</a:t>
-            </a:r>
+              <a:t>The query interface is fully metadata driven - user interface, SQL generator and results view - and therefore highly flexible.</a:t>
+            </a:r>
+          </a:p>
+          <a:p>
             <a:r>
               <a:rPr lang="en-US" dirty="0" smtClean="0"/>
-              <a:t> object in caTissue</a:t>
+              <a:t>Just need to upgrade the metadata across versions of caTissue – no additional code required</a:t>
             </a:r>
           </a:p>
           <a:p>
             <a:r>
               <a:rPr lang="en-US" dirty="0" smtClean="0"/>
-              <a:t>Query with conditions on </a:t>
-            </a:r>
-            <a:r>
-              <a:rPr lang="en-US" u="sng" dirty="0" smtClean="0"/>
-              <a:t>multiple</a:t>
+              <a:t>Metadata contains manually </a:t>
+            </a:r>
+            <a:r>
+              <a:rPr lang="en-US" dirty="0" err="1" smtClean="0"/>
+              <a:t>curated</a:t>
             </a:r>
             <a:r>
               <a:rPr lang="en-US" dirty="0" smtClean="0"/>
-              <a:t> objects </a:t>
-            </a:r>
-          </a:p>
-          <a:p>
-            <a:pPr lvl="1"/>
-            <a:r>
-              <a:rPr lang="en-US" dirty="0" smtClean="0"/>
-              <a:t>as long as there exists a valid path between the objects in the UML model</a:t>
-            </a:r>
-          </a:p>
-          <a:p>
-            <a:r>
-              <a:rPr lang="en-US" dirty="0" smtClean="0"/>
-              <a:t>Define view to contain </a:t>
-            </a:r>
-            <a:r>
-              <a:rPr lang="en-US" u="sng" dirty="0" smtClean="0"/>
-              <a:t>any</a:t>
-            </a:r>
-            <a:r>
-              <a:rPr lang="en-US" dirty="0" smtClean="0"/>
-              <a:t> object in the view</a:t>
-            </a:r>
-          </a:p>
-          <a:p>
-            <a:r>
-              <a:rPr lang="en-US" dirty="0" smtClean="0"/>
-              <a:t>Save query, export data</a:t>
-            </a:r>
-          </a:p>
-          <a:p>
-            <a:r>
-              <a:rPr lang="en-US" dirty="0" smtClean="0"/>
-              <a:t>Proceed to bulk operations,  shipment or order </a:t>
-            </a:r>
-            <a:r>
-              <a:rPr lang="en-US" dirty="0" err="1" smtClean="0"/>
-              <a:t>biospecimens</a:t>
-            </a:r>
-            <a:r>
-              <a:rPr lang="en-US" dirty="0" smtClean="0"/>
-              <a:t>.</a:t>
+              <a:t> meaningful (direct and indirect) paths so that end users need not know the UML model of the application.</a:t>
             </a:r>
           </a:p>
           <a:p>
@@ -14769,99 +14762,6 @@
 </file>
 
 <file path=ppt/slides/slide30.xml><?xml version="1.0" encoding="utf-8"?>
-<p:sld xmlns:a="http://schemas.openxmlformats.org/drawingml/2006/main" xmlns:r="http://schemas.openxmlformats.org/officeDocument/2006/relationships" xmlns:p="http://schemas.openxmlformats.org/presentationml/2006/main">
-  <p:cSld>
-    <p:spTree>
-      <p:nvGrpSpPr>
-        <p:cNvPr id="1" name=""/>
-        <p:cNvGrpSpPr/>
-        <p:nvPr/>
-      </p:nvGrpSpPr>
-      <p:grpSpPr>
-        <a:xfrm>
-          <a:off x="0" y="0"/>
-          <a:ext cx="0" cy="0"/>
-          <a:chOff x="0" y="0"/>
-          <a:chExt cx="0" cy="0"/>
-        </a:xfrm>
-      </p:grpSpPr>
-      <p:sp>
-        <p:nvSpPr>
-          <p:cNvPr id="2" name="Content Placeholder 1"/>
-          <p:cNvSpPr>
-            <a:spLocks noGrp="1"/>
-          </p:cNvSpPr>
-          <p:nvPr>
-            <p:ph idx="1"/>
-          </p:nvPr>
-        </p:nvSpPr>
-        <p:spPr/>
-        <p:txBody>
-          <a:bodyPr/>
-          <a:lstStyle/>
-          <a:p>
-            <a:r>
-              <a:rPr lang="en-US" dirty="0" smtClean="0"/>
-              <a:t>The query interface is fully metadata driven - user interface, SQL generator and results view - and therefore highly flexible.</a:t>
-            </a:r>
-          </a:p>
-          <a:p>
-            <a:r>
-              <a:rPr lang="en-US" dirty="0" smtClean="0"/>
-              <a:t>Just need to upgrade the metadata across versions of caTissue – no additional code required</a:t>
-            </a:r>
-          </a:p>
-          <a:p>
-            <a:r>
-              <a:rPr lang="en-US" dirty="0" smtClean="0"/>
-              <a:t>Metadata contains manually </a:t>
-            </a:r>
-            <a:r>
-              <a:rPr lang="en-US" dirty="0" err="1" smtClean="0"/>
-              <a:t>curated</a:t>
-            </a:r>
-            <a:r>
-              <a:rPr lang="en-US" dirty="0" smtClean="0"/>
-              <a:t> meaningful (direct and indirect) paths so that end users need not know the UML model of the application.</a:t>
-            </a:r>
-          </a:p>
-          <a:p>
-            <a:endParaRPr lang="en-US" dirty="0"/>
-          </a:p>
-        </p:txBody>
-      </p:sp>
-      <p:sp>
-        <p:nvSpPr>
-          <p:cNvPr id="3" name="Title 2"/>
-          <p:cNvSpPr>
-            <a:spLocks noGrp="1"/>
-          </p:cNvSpPr>
-          <p:nvPr>
-            <p:ph type="title"/>
-          </p:nvPr>
-        </p:nvSpPr>
-        <p:spPr/>
-        <p:txBody>
-          <a:bodyPr/>
-          <a:lstStyle/>
-          <a:p>
-            <a:r>
-              <a:rPr lang="en-US" dirty="0" smtClean="0"/>
-              <a:t>Query module</a:t>
-            </a:r>
-            <a:endParaRPr lang="en-US" dirty="0"/>
-          </a:p>
-        </p:txBody>
-      </p:sp>
-    </p:spTree>
-  </p:cSld>
-  <p:clrMapOvr>
-    <a:masterClrMapping/>
-  </p:clrMapOvr>
-</p:sld>
-</file>
-
-<file path=ppt/slides/slide31.xml><?xml version="1.0" encoding="utf-8"?>
 <p:sld xmlns:a="http://schemas.openxmlformats.org/drawingml/2006/main" xmlns:r="http://schemas.openxmlformats.org/officeDocument/2006/relationships" xmlns:p="http://schemas.openxmlformats.org/presentationml/2006/main">
   <p:cSld>
     <p:spTree>
@@ -16233,7 +16133,7 @@
 </p:sld>
 </file>
 
-<file path=ppt/slides/slide32.xml><?xml version="1.0" encoding="utf-8"?>
+<file path=ppt/slides/slide31.xml><?xml version="1.0" encoding="utf-8"?>
 <p:sld xmlns:a="http://schemas.openxmlformats.org/drawingml/2006/main" xmlns:r="http://schemas.openxmlformats.org/officeDocument/2006/relationships" xmlns:p="http://schemas.openxmlformats.org/presentationml/2006/main">
   <p:cSld>
     <p:spTree>
@@ -16784,7 +16684,7 @@
 </p:sld>
 </file>
 
-<file path=ppt/slides/slide33.xml><?xml version="1.0" encoding="utf-8"?>
+<file path=ppt/slides/slide32.xml><?xml version="1.0" encoding="utf-8"?>
 <p:sld xmlns:a="http://schemas.openxmlformats.org/drawingml/2006/main" xmlns:r="http://schemas.openxmlformats.org/officeDocument/2006/relationships" xmlns:p="http://schemas.openxmlformats.org/presentationml/2006/main">
   <p:cSld>
     <p:spTree>
@@ -16937,7 +16837,7 @@
 </p:sld>
 </file>
 
-<file path=ppt/slides/slide34.xml><?xml version="1.0" encoding="utf-8"?>
+<file path=ppt/slides/slide33.xml><?xml version="1.0" encoding="utf-8"?>
 <p:sld xmlns:a="http://schemas.openxmlformats.org/drawingml/2006/main" xmlns:r="http://schemas.openxmlformats.org/officeDocument/2006/relationships" xmlns:p="http://schemas.openxmlformats.org/presentationml/2006/main">
   <p:cSld>
     <p:spTree>
@@ -17685,7 +17585,7 @@
 </p:sld>
 </file>
 
-<file path=ppt/slides/slide35.xml><?xml version="1.0" encoding="utf-8"?>
+<file path=ppt/slides/slide34.xml><?xml version="1.0" encoding="utf-8"?>
 <p:sld xmlns:a="http://schemas.openxmlformats.org/drawingml/2006/main" xmlns:r="http://schemas.openxmlformats.org/officeDocument/2006/relationships" xmlns:p="http://schemas.openxmlformats.org/presentationml/2006/main">
   <p:cSld>
     <p:spTree>
@@ -18280,12 +18180,6 @@
               </a:rPr>
               <a:t>Customers – Various cancer centers</a:t>
             </a:r>
-            <a:endParaRPr lang="en-US" dirty="0">
-              <a:solidFill>
-                <a:schemeClr val="tx1"/>
-              </a:solidFill>
-              <a:latin typeface="Arial" charset="0"/>
-            </a:endParaRPr>
           </a:p>
         </p:txBody>
       </p:sp>
@@ -18674,21 +18568,8 @@
                   <a:schemeClr val="bg1"/>
                 </a:solidFill>
               </a:rPr>
-              <a:t>Software developers </a:t>
-            </a:r>
-            <a:r>
-              <a:rPr lang="en-US" dirty="0">
-                <a:solidFill>
-                  <a:schemeClr val="bg1"/>
-                </a:solidFill>
-              </a:rPr>
-              <a:t>&amp; testers</a:t>
-            </a:r>
-            <a:endParaRPr lang="en-US" dirty="0">
-              <a:solidFill>
-                <a:schemeClr val="bg1"/>
-              </a:solidFill>
-            </a:endParaRPr>
+              <a:t>Software developers &amp; testers</a:t>
+            </a:r>
           </a:p>
         </p:txBody>
       </p:sp>
@@ -18830,11 +18711,6 @@
               </a:rPr>
               <a:t>Marketing</a:t>
             </a:r>
-            <a:endParaRPr lang="en-US" dirty="0">
-              <a:solidFill>
-                <a:schemeClr val="bg1"/>
-              </a:solidFill>
-            </a:endParaRPr>
           </a:p>
         </p:txBody>
       </p:sp>
@@ -18882,11 +18758,6 @@
               </a:rPr>
               <a:t>Project Manager</a:t>
             </a:r>
-            <a:endParaRPr lang="en-US" dirty="0">
-              <a:solidFill>
-                <a:schemeClr val="bg1"/>
-              </a:solidFill>
-            </a:endParaRPr>
           </a:p>
         </p:txBody>
       </p:sp>
@@ -19082,7 +18953,62 @@
       </p:grpSpPr>
       <p:sp>
         <p:nvSpPr>
-          <p:cNvPr id="5122" name="Title 1"/>
+          <p:cNvPr id="3" name="Content Placeholder 2"/>
+          <p:cNvSpPr>
+            <a:spLocks noGrp="1"/>
+          </p:cNvSpPr>
+          <p:nvPr>
+            <p:ph idx="1"/>
+          </p:nvPr>
+        </p:nvSpPr>
+        <p:spPr/>
+        <p:txBody>
+          <a:bodyPr/>
+          <a:lstStyle/>
+          <a:p>
+            <a:r>
+              <a:rPr lang="en-US" dirty="0" smtClean="0"/>
+              <a:t>Please visit application demo site</a:t>
+            </a:r>
+          </a:p>
+          <a:p>
+            <a:r>
+              <a:rPr lang="en-US" dirty="0" smtClean="0"/>
+              <a:t>URL : </a:t>
+            </a:r>
+            <a:r>
+              <a:rPr lang="en-US" dirty="0" smtClean="0">
+                <a:hlinkClick r:id="rId2"/>
+              </a:rPr>
+              <a:t>http://catissue.wustl.edu</a:t>
+            </a:r>
+            <a:endParaRPr lang="en-US" dirty="0" smtClean="0"/>
+          </a:p>
+          <a:p>
+            <a:r>
+              <a:rPr lang="en-US" dirty="0" smtClean="0"/>
+              <a:t>User : </a:t>
+            </a:r>
+            <a:r>
+              <a:rPr lang="en-US" dirty="0" smtClean="0">
+                <a:hlinkClick r:id="rId3"/>
+              </a:rPr>
+              <a:t>admin@admin.com</a:t>
+            </a:r>
+            <a:endParaRPr lang="en-US" dirty="0" smtClean="0"/>
+          </a:p>
+          <a:p>
+            <a:r>
+              <a:rPr lang="en-US" dirty="0" smtClean="0"/>
+              <a:t>Password: Login123</a:t>
+            </a:r>
+            <a:endParaRPr lang="en-US" dirty="0"/>
+          </a:p>
+        </p:txBody>
+      </p:sp>
+      <p:sp>
+        <p:nvSpPr>
+          <p:cNvPr id="2" name="Title 1"/>
           <p:cNvSpPr>
             <a:spLocks noGrp="1"/>
           </p:cNvSpPr>
@@ -19090,332 +19016,16 @@
             <p:ph type="title"/>
           </p:nvPr>
         </p:nvSpPr>
-        <p:spPr>
-          <a:xfrm>
-            <a:off x="457200" y="76200"/>
-            <a:ext cx="8229600" cy="1143000"/>
-          </a:xfrm>
-        </p:spPr>
+        <p:spPr/>
         <p:txBody>
           <a:bodyPr/>
           <a:lstStyle/>
           <a:p>
-            <a:pPr eaLnBrk="1" hangingPunct="1"/>
-            <a:r>
-              <a:rPr lang="en-US" smtClean="0"/>
-              <a:t>Program Management</a:t>
-            </a:r>
-          </a:p>
-        </p:txBody>
-      </p:sp>
-      <p:sp>
-        <p:nvSpPr>
-          <p:cNvPr id="6" name="Content Placeholder 5"/>
-          <p:cNvSpPr>
-            <a:spLocks noGrp="1"/>
-          </p:cNvSpPr>
-          <p:nvPr>
-            <p:ph idx="1"/>
-          </p:nvPr>
-        </p:nvSpPr>
-        <p:spPr>
-          <a:xfrm>
-            <a:off x="304800" y="1447800"/>
-            <a:ext cx="8610600" cy="5791200"/>
-          </a:xfrm>
-        </p:spPr>
-        <p:txBody>
-          <a:bodyPr rtlCol="0">
-            <a:normAutofit/>
-          </a:bodyPr>
-          <a:lstStyle/>
-          <a:p>
-            <a:pPr eaLnBrk="1" fontAlgn="auto" hangingPunct="1">
-              <a:spcAft>
-                <a:spcPts val="0"/>
-              </a:spcAft>
-              <a:buFont typeface="Arial" pitchFamily="34" charset="0"/>
-              <a:buChar char="•"/>
-              <a:defRPr/>
-            </a:pPr>
-            <a:r>
-              <a:rPr lang="en-US" sz="1600" dirty="0" smtClean="0"/>
-              <a:t>Contract given by NCI, head of decisions for </a:t>
-            </a:r>
-            <a:r>
-              <a:rPr lang="en-US" sz="1600" dirty="0" err="1" smtClean="0"/>
-              <a:t>caTissue</a:t>
-            </a:r>
-            <a:r>
-              <a:rPr lang="en-US" sz="1600" dirty="0" smtClean="0"/>
-              <a:t> – Ian Fore</a:t>
-            </a:r>
-          </a:p>
-          <a:p>
-            <a:pPr lvl="1" eaLnBrk="1" fontAlgn="auto" hangingPunct="1">
-              <a:spcAft>
-                <a:spcPts val="0"/>
-              </a:spcAft>
-              <a:buFont typeface="Arial" pitchFamily="34" charset="0"/>
-              <a:buChar char="–"/>
-              <a:defRPr/>
-            </a:pPr>
-            <a:r>
-              <a:rPr lang="en-US" sz="1400" dirty="0" smtClean="0"/>
-              <a:t>Decides on budget and timelines</a:t>
-            </a:r>
-          </a:p>
-          <a:p>
-            <a:pPr eaLnBrk="1" fontAlgn="auto" hangingPunct="1">
-              <a:spcAft>
-                <a:spcPts val="0"/>
-              </a:spcAft>
-              <a:buFont typeface="Arial" pitchFamily="34" charset="0"/>
-              <a:buChar char="•"/>
-              <a:defRPr/>
-            </a:pPr>
-            <a:r>
-              <a:rPr lang="en-US" sz="1600" dirty="0" smtClean="0"/>
-              <a:t>Program management contracted to</a:t>
-            </a:r>
-          </a:p>
-          <a:p>
-            <a:pPr lvl="1" eaLnBrk="1" fontAlgn="auto" hangingPunct="1">
-              <a:spcAft>
-                <a:spcPts val="0"/>
-              </a:spcAft>
-              <a:buFont typeface="Arial" pitchFamily="34" charset="0"/>
-              <a:buChar char="–"/>
-              <a:defRPr/>
-            </a:pPr>
-            <a:r>
-              <a:rPr lang="en-US" sz="1400" dirty="0" err="1" smtClean="0"/>
-              <a:t>LiMing</a:t>
-            </a:r>
-            <a:r>
-              <a:rPr lang="en-US" sz="1400" dirty="0" smtClean="0"/>
-              <a:t> </a:t>
-            </a:r>
-            <a:r>
-              <a:rPr lang="en-US" sz="1400" dirty="0" err="1" smtClean="0"/>
-              <a:t>Shen</a:t>
-            </a:r>
-            <a:r>
-              <a:rPr lang="en-US" sz="1400" dirty="0" smtClean="0"/>
-              <a:t> - SAIC</a:t>
-            </a:r>
-          </a:p>
-          <a:p>
-            <a:pPr lvl="1" eaLnBrk="1" fontAlgn="auto" hangingPunct="1">
-              <a:spcAft>
-                <a:spcPts val="0"/>
-              </a:spcAft>
-              <a:buFont typeface="Arial" pitchFamily="34" charset="0"/>
-              <a:buChar char="–"/>
-              <a:defRPr/>
-            </a:pPr>
-            <a:r>
-              <a:rPr lang="en-US" sz="1400" dirty="0" smtClean="0"/>
-              <a:t>Linda </a:t>
-            </a:r>
-            <a:r>
-              <a:rPr lang="en-US" sz="1400" dirty="0" err="1" smtClean="0"/>
-              <a:t>Schmandt</a:t>
-            </a:r>
-            <a:r>
-              <a:rPr lang="en-US" sz="1400" dirty="0" smtClean="0"/>
-              <a:t> -</a:t>
-            </a:r>
-            <a:r>
-              <a:rPr lang="en-US" sz="1400" dirty="0" err="1" smtClean="0"/>
-              <a:t>UPitt</a:t>
-            </a:r>
-            <a:endParaRPr lang="en-US" sz="1400" dirty="0" smtClean="0"/>
-          </a:p>
-          <a:p>
-            <a:pPr eaLnBrk="1" fontAlgn="auto" hangingPunct="1">
-              <a:spcAft>
-                <a:spcPts val="0"/>
-              </a:spcAft>
-              <a:buFont typeface="Arial" pitchFamily="34" charset="0"/>
-              <a:buChar char="•"/>
-              <a:defRPr/>
-            </a:pPr>
-            <a:r>
-              <a:rPr lang="en-US" sz="1600" dirty="0" smtClean="0"/>
-              <a:t>Project development contracted to Washington University:</a:t>
-            </a:r>
-          </a:p>
-          <a:p>
-            <a:pPr lvl="1" eaLnBrk="1" fontAlgn="auto" hangingPunct="1">
-              <a:spcAft>
-                <a:spcPts val="0"/>
-              </a:spcAft>
-              <a:buFont typeface="Arial" pitchFamily="34" charset="0"/>
-              <a:buChar char="–"/>
-              <a:defRPr/>
-            </a:pPr>
-            <a:r>
-              <a:rPr lang="en-US" sz="1400" dirty="0" smtClean="0"/>
-              <a:t>Rakesh Nagarajan – Project Manager</a:t>
-            </a:r>
-          </a:p>
-          <a:p>
-            <a:pPr lvl="1" eaLnBrk="1" fontAlgn="auto" hangingPunct="1">
-              <a:spcAft>
-                <a:spcPts val="0"/>
-              </a:spcAft>
-              <a:buFont typeface="Arial" pitchFamily="34" charset="0"/>
-              <a:buChar char="–"/>
-              <a:defRPr/>
-            </a:pPr>
-            <a:r>
-              <a:rPr lang="en-US" sz="1400" dirty="0" smtClean="0"/>
-              <a:t>Mark Watson – Domain expert – Brain behind </a:t>
-            </a:r>
-            <a:r>
-              <a:rPr lang="en-US" sz="1400" dirty="0" err="1" smtClean="0"/>
-              <a:t>caTissue</a:t>
-            </a:r>
-            <a:endParaRPr lang="en-US" sz="1400" dirty="0" smtClean="0"/>
-          </a:p>
-          <a:p>
-            <a:pPr eaLnBrk="1" fontAlgn="auto" hangingPunct="1">
-              <a:spcAft>
-                <a:spcPts val="0"/>
-              </a:spcAft>
-              <a:buFont typeface="Arial" pitchFamily="34" charset="0"/>
-              <a:buChar char="•"/>
-              <a:defRPr/>
-            </a:pPr>
-            <a:r>
-              <a:rPr lang="en-US" sz="1600" dirty="0" smtClean="0"/>
-              <a:t>Other funded adopters – requirement decisions and end user testing:</a:t>
-            </a:r>
-          </a:p>
-          <a:p>
-            <a:pPr lvl="1" eaLnBrk="1" fontAlgn="auto" hangingPunct="1">
-              <a:spcAft>
-                <a:spcPts val="0"/>
-              </a:spcAft>
-              <a:buFont typeface="Arial" pitchFamily="34" charset="0"/>
-              <a:buChar char="–"/>
-              <a:defRPr/>
-            </a:pPr>
-            <a:r>
-              <a:rPr lang="en-US" sz="1400" dirty="0" smtClean="0"/>
-              <a:t>University of Pennsylvania – Tara </a:t>
-            </a:r>
-            <a:r>
-              <a:rPr lang="en-US" sz="1400" dirty="0" err="1" smtClean="0"/>
-              <a:t>McSherry</a:t>
-            </a:r>
-            <a:endParaRPr lang="en-US" sz="1400" dirty="0" smtClean="0"/>
-          </a:p>
-          <a:p>
-            <a:pPr lvl="1" eaLnBrk="1" fontAlgn="auto" hangingPunct="1">
-              <a:spcAft>
-                <a:spcPts val="0"/>
-              </a:spcAft>
-              <a:buFont typeface="Arial" pitchFamily="34" charset="0"/>
-              <a:buChar char="–"/>
-              <a:defRPr/>
-            </a:pPr>
-            <a:r>
-              <a:rPr lang="en-US" sz="1400" dirty="0" smtClean="0"/>
-              <a:t>Yale University- Michael Krauthammer</a:t>
-            </a:r>
-          </a:p>
-          <a:p>
-            <a:pPr lvl="1" eaLnBrk="1" fontAlgn="auto" hangingPunct="1">
-              <a:spcAft>
-                <a:spcPts val="0"/>
-              </a:spcAft>
-              <a:buFont typeface="Arial" pitchFamily="34" charset="0"/>
-              <a:buChar char="–"/>
-              <a:defRPr/>
-            </a:pPr>
-            <a:r>
-              <a:rPr lang="en-US" sz="1400" dirty="0" smtClean="0"/>
-              <a:t>University of Pittsburgh - Linda </a:t>
-            </a:r>
-            <a:r>
-              <a:rPr lang="en-US" sz="1400" dirty="0" err="1" smtClean="0"/>
-              <a:t>Schmandt</a:t>
-            </a:r>
-            <a:endParaRPr lang="en-US" sz="1400" dirty="0" smtClean="0"/>
-          </a:p>
-          <a:p>
-            <a:pPr lvl="1" eaLnBrk="1" fontAlgn="auto" hangingPunct="1">
-              <a:spcAft>
-                <a:spcPts val="0"/>
-              </a:spcAft>
-              <a:buFont typeface="Arial" pitchFamily="34" charset="0"/>
-              <a:buChar char="–"/>
-              <a:defRPr/>
-            </a:pPr>
-            <a:r>
-              <a:rPr lang="en-US" sz="1400" dirty="0" smtClean="0"/>
-              <a:t>Thomas Jefferson University - Jack London</a:t>
-            </a:r>
-          </a:p>
-          <a:p>
-            <a:pPr lvl="1" eaLnBrk="1" fontAlgn="auto" hangingPunct="1">
-              <a:spcAft>
-                <a:spcPts val="0"/>
-              </a:spcAft>
-              <a:buFont typeface="Arial" pitchFamily="34" charset="0"/>
-              <a:buChar char="–"/>
-              <a:defRPr/>
-            </a:pPr>
-            <a:r>
-              <a:rPr lang="en-US" sz="1400" dirty="0" smtClean="0"/>
-              <a:t>Indiana University- </a:t>
-            </a:r>
-            <a:r>
-              <a:rPr lang="en-US" sz="1400" dirty="0" err="1" smtClean="0"/>
-              <a:t>Gunther</a:t>
-            </a:r>
-            <a:r>
-              <a:rPr lang="en-US" sz="1400" dirty="0" smtClean="0"/>
-              <a:t> </a:t>
-            </a:r>
-            <a:r>
-              <a:rPr lang="en-US" sz="1400" dirty="0" err="1" smtClean="0"/>
-              <a:t>Schadow</a:t>
-            </a:r>
-            <a:endParaRPr lang="en-US" sz="1400" dirty="0" smtClean="0"/>
-          </a:p>
-          <a:p>
-            <a:pPr eaLnBrk="1" fontAlgn="auto" hangingPunct="1">
-              <a:spcAft>
-                <a:spcPts val="0"/>
-              </a:spcAft>
-              <a:buFont typeface="Arial" pitchFamily="34" charset="0"/>
-              <a:buChar char="•"/>
-              <a:defRPr/>
-            </a:pPr>
-            <a:r>
-              <a:rPr lang="en-US" sz="1600" dirty="0" smtClean="0"/>
-              <a:t>Other stakeholders are actual end users who are involved </a:t>
-            </a:r>
-            <a:r>
-              <a:rPr lang="en-US" sz="1600" dirty="0" err="1" smtClean="0"/>
-              <a:t>ign</a:t>
-            </a:r>
-            <a:r>
-              <a:rPr lang="en-US" sz="1600" dirty="0" smtClean="0"/>
-              <a:t> </a:t>
-            </a:r>
-            <a:r>
-              <a:rPr lang="en-US" sz="1600" dirty="0" smtClean="0"/>
-              <a:t>end user </a:t>
-            </a:r>
-            <a:r>
-              <a:rPr lang="en-US" sz="1600" dirty="0" smtClean="0"/>
-              <a:t>testing</a:t>
-            </a:r>
-            <a:endParaRPr lang="en-US" sz="1600" dirty="0" smtClean="0"/>
+            <a:r>
+              <a:rPr lang="en-US" dirty="0" smtClean="0"/>
+              <a:t>Demo Site</a:t>
+            </a:r>
+            <a:endParaRPr lang="en-US" dirty="0"/>
           </a:p>
         </p:txBody>
       </p:sp>
@@ -19468,40 +19078,60 @@
           <a:p>
             <a:r>
               <a:rPr lang="en-US" dirty="0" smtClean="0"/>
-              <a:t>Please visit application demo site</a:t>
-            </a:r>
-          </a:p>
-          <a:p>
+              <a:t>Following versions of caTissue so far has been released </a:t>
+            </a:r>
+          </a:p>
+          <a:p>
+            <a:pPr lvl="1"/>
             <a:r>
               <a:rPr lang="en-US" dirty="0" smtClean="0"/>
-              <a:t>URL : </a:t>
-            </a:r>
-            <a:r>
-              <a:rPr lang="en-US" dirty="0" smtClean="0">
-                <a:hlinkClick r:id="rId2"/>
-              </a:rPr>
-              <a:t>http://catissue.wustl.edu</a:t>
-            </a:r>
-            <a:endParaRPr lang="en-US" dirty="0" smtClean="0"/>
-          </a:p>
-          <a:p>
+              <a:t>caTissue Core 1.0</a:t>
+            </a:r>
+          </a:p>
+          <a:p>
+            <a:pPr lvl="1"/>
             <a:r>
               <a:rPr lang="en-US" dirty="0" smtClean="0"/>
-              <a:t>User : </a:t>
-            </a:r>
-            <a:r>
-              <a:rPr lang="en-US" dirty="0" smtClean="0">
-                <a:hlinkClick r:id="rId3"/>
-              </a:rPr>
-              <a:t>admin@admin.com</a:t>
-            </a:r>
-            <a:endParaRPr lang="en-US" dirty="0" smtClean="0"/>
-          </a:p>
-          <a:p>
+              <a:t>caTissue Core 1.1</a:t>
+            </a:r>
+          </a:p>
+          <a:p>
+            <a:pPr lvl="1"/>
             <a:r>
               <a:rPr lang="en-US" dirty="0" smtClean="0"/>
-              <a:t>Password: Login123</a:t>
-            </a:r>
+              <a:t>caTissue Core 1.2</a:t>
+            </a:r>
+          </a:p>
+          <a:p>
+            <a:pPr lvl="1"/>
+            <a:r>
+              <a:rPr lang="en-US" dirty="0" smtClean="0"/>
+              <a:t>caTissue Core 1.2.0.1</a:t>
+            </a:r>
+          </a:p>
+          <a:p>
+            <a:pPr lvl="1"/>
+            <a:r>
+              <a:rPr lang="en-US" dirty="0" smtClean="0"/>
+              <a:t>caTissue Core 1.2.2</a:t>
+            </a:r>
+          </a:p>
+          <a:p>
+            <a:pPr lvl="1"/>
+            <a:r>
+              <a:rPr lang="en-US" dirty="0" smtClean="0"/>
+              <a:t>caTissue Suite 1.0</a:t>
+            </a:r>
+          </a:p>
+          <a:p>
+            <a:pPr lvl="1"/>
+            <a:r>
+              <a:rPr lang="en-US" dirty="0" smtClean="0"/>
+              <a:t>caTissue Suite 1.1</a:t>
+            </a:r>
+          </a:p>
+          <a:p>
+            <a:pPr lvl="1"/>
             <a:endParaRPr lang="en-US" dirty="0"/>
           </a:p>
         </p:txBody>
@@ -19523,7 +19153,7 @@
           <a:p>
             <a:r>
               <a:rPr lang="en-US" dirty="0" smtClean="0"/>
-              <a:t>Demo Site</a:t>
+              <a:t>Release overview</a:t>
             </a:r>
             <a:endParaRPr lang="en-US" dirty="0"/>
           </a:p>
